--- a/src/site/discrete2021/slides/week03-chapter02_5.pptx
+++ b/src/site/discrete2021/slides/week03-chapter02_5.pptx
@@ -5,7 +5,7 @@
     <p:sldMasterId id="2147483648" r:id="rId1"/>
   </p:sldMasterIdLst>
   <p:notesMasterIdLst>
-    <p:notesMasterId r:id="rId16"/>
+    <p:notesMasterId r:id="rId23"/>
   </p:notesMasterIdLst>
   <p:sldIdLst>
     <p:sldId id="713" r:id="rId2"/>
@@ -18,10 +18,17 @@
     <p:sldId id="720" r:id="rId9"/>
     <p:sldId id="721" r:id="rId10"/>
     <p:sldId id="722" r:id="rId11"/>
-    <p:sldId id="723" r:id="rId12"/>
-    <p:sldId id="724" r:id="rId13"/>
-    <p:sldId id="725" r:id="rId14"/>
-    <p:sldId id="726" r:id="rId15"/>
+    <p:sldId id="731" r:id="rId12"/>
+    <p:sldId id="732" r:id="rId13"/>
+    <p:sldId id="730" r:id="rId14"/>
+    <p:sldId id="733" r:id="rId15"/>
+    <p:sldId id="723" r:id="rId16"/>
+    <p:sldId id="724" r:id="rId17"/>
+    <p:sldId id="725" r:id="rId18"/>
+    <p:sldId id="726" r:id="rId19"/>
+    <p:sldId id="727" r:id="rId20"/>
+    <p:sldId id="728" r:id="rId21"/>
+    <p:sldId id="729" r:id="rId22"/>
   </p:sldIdLst>
   <p:sldSz cx="12192000" cy="6858000"/>
   <p:notesSz cx="6858000" cy="9144000"/>
@@ -210,7 +217,7 @@
           <a:p>
             <a:fld id="{21C6C08E-8AD4-46C5-BAC9-3D04C6463705}" type="datetimeFigureOut">
               <a:rPr lang="lv-LV" smtClean="0"/>
-              <a:t>18.01.2021</a:t>
+              <a:t>02.02.2021</a:t>
             </a:fld>
             <a:endParaRPr lang="lv-LV"/>
           </a:p>
@@ -609,7 +616,7 @@
           <a:p>
             <a:fld id="{5ADEB7B1-3A76-4692-AABD-C23989DC5F71}" type="datetimeFigureOut">
               <a:rPr lang="lv-LV" smtClean="0"/>
-              <a:t>18.01.2021</a:t>
+              <a:t>02.02.2021</a:t>
             </a:fld>
             <a:endParaRPr lang="lv-LV"/>
           </a:p>
@@ -779,7 +786,7 @@
           <a:p>
             <a:fld id="{5ADEB7B1-3A76-4692-AABD-C23989DC5F71}" type="datetimeFigureOut">
               <a:rPr lang="lv-LV" smtClean="0"/>
-              <a:t>18.01.2021</a:t>
+              <a:t>02.02.2021</a:t>
             </a:fld>
             <a:endParaRPr lang="lv-LV"/>
           </a:p>
@@ -959,7 +966,7 @@
           <a:p>
             <a:fld id="{5ADEB7B1-3A76-4692-AABD-C23989DC5F71}" type="datetimeFigureOut">
               <a:rPr lang="lv-LV" smtClean="0"/>
-              <a:t>18.01.2021</a:t>
+              <a:t>02.02.2021</a:t>
             </a:fld>
             <a:endParaRPr lang="lv-LV"/>
           </a:p>
@@ -1129,7 +1136,7 @@
           <a:p>
             <a:fld id="{5ADEB7B1-3A76-4692-AABD-C23989DC5F71}" type="datetimeFigureOut">
               <a:rPr lang="lv-LV" smtClean="0"/>
-              <a:t>18.01.2021</a:t>
+              <a:t>02.02.2021</a:t>
             </a:fld>
             <a:endParaRPr lang="lv-LV"/>
           </a:p>
@@ -1375,7 +1382,7 @@
           <a:p>
             <a:fld id="{5ADEB7B1-3A76-4692-AABD-C23989DC5F71}" type="datetimeFigureOut">
               <a:rPr lang="lv-LV" smtClean="0"/>
-              <a:t>18.01.2021</a:t>
+              <a:t>02.02.2021</a:t>
             </a:fld>
             <a:endParaRPr lang="lv-LV"/>
           </a:p>
@@ -1607,7 +1614,7 @@
           <a:p>
             <a:fld id="{5ADEB7B1-3A76-4692-AABD-C23989DC5F71}" type="datetimeFigureOut">
               <a:rPr lang="lv-LV" smtClean="0"/>
-              <a:t>18.01.2021</a:t>
+              <a:t>02.02.2021</a:t>
             </a:fld>
             <a:endParaRPr lang="lv-LV"/>
           </a:p>
@@ -1974,7 +1981,7 @@
           <a:p>
             <a:fld id="{5ADEB7B1-3A76-4692-AABD-C23989DC5F71}" type="datetimeFigureOut">
               <a:rPr lang="lv-LV" smtClean="0"/>
-              <a:t>18.01.2021</a:t>
+              <a:t>02.02.2021</a:t>
             </a:fld>
             <a:endParaRPr lang="lv-LV"/>
           </a:p>
@@ -2092,7 +2099,7 @@
           <a:p>
             <a:fld id="{5ADEB7B1-3A76-4692-AABD-C23989DC5F71}" type="datetimeFigureOut">
               <a:rPr lang="lv-LV" smtClean="0"/>
-              <a:t>18.01.2021</a:t>
+              <a:t>02.02.2021</a:t>
             </a:fld>
             <a:endParaRPr lang="lv-LV"/>
           </a:p>
@@ -2187,7 +2194,7 @@
           <a:p>
             <a:fld id="{5ADEB7B1-3A76-4692-AABD-C23989DC5F71}" type="datetimeFigureOut">
               <a:rPr lang="lv-LV" smtClean="0"/>
-              <a:t>18.01.2021</a:t>
+              <a:t>02.02.2021</a:t>
             </a:fld>
             <a:endParaRPr lang="lv-LV"/>
           </a:p>
@@ -2464,7 +2471,7 @@
           <a:p>
             <a:fld id="{5ADEB7B1-3A76-4692-AABD-C23989DC5F71}" type="datetimeFigureOut">
               <a:rPr lang="lv-LV" smtClean="0"/>
-              <a:t>18.01.2021</a:t>
+              <a:t>02.02.2021</a:t>
             </a:fld>
             <a:endParaRPr lang="lv-LV"/>
           </a:p>
@@ -2717,7 +2724,7 @@
           <a:p>
             <a:fld id="{5ADEB7B1-3A76-4692-AABD-C23989DC5F71}" type="datetimeFigureOut">
               <a:rPr lang="lv-LV" smtClean="0"/>
-              <a:t>18.01.2021</a:t>
+              <a:t>02.02.2021</a:t>
             </a:fld>
             <a:endParaRPr lang="lv-LV"/>
           </a:p>
@@ -2930,7 +2937,7 @@
           <a:p>
             <a:fld id="{5ADEB7B1-3A76-4692-AABD-C23989DC5F71}" type="datetimeFigureOut">
               <a:rPr lang="lv-LV" smtClean="0"/>
-              <a:t>18.01.2021</a:t>
+              <a:t>02.02.2021</a:t>
             </a:fld>
             <a:endParaRPr lang="lv-LV"/>
           </a:p>
@@ -3827,6 +3834,877 @@
           <a:p>
             <a:r>
               <a:rPr lang="en-US" dirty="0" smtClean="0"/>
+              <a:t>Are there more points on a short line segment or on a twice longer line segment?</a:t>
+            </a:r>
+            <a:endParaRPr lang="lv-LV" dirty="0"/>
+          </a:p>
+        </p:txBody>
+      </p:sp>
+      <p:sp>
+        <p:nvSpPr>
+          <p:cNvPr id="3" name="Content Placeholder 2"/>
+          <p:cNvSpPr>
+            <a:spLocks noGrp="1"/>
+          </p:cNvSpPr>
+          <p:nvPr>
+            <p:ph idx="1"/>
+          </p:nvPr>
+        </p:nvSpPr>
+        <p:spPr>
+          <a:xfrm>
+            <a:off x="5551714" y="1825625"/>
+            <a:ext cx="5802086" cy="4351338"/>
+          </a:xfrm>
+        </p:spPr>
+        <p:txBody>
+          <a:bodyPr/>
+          <a:lstStyle/>
+          <a:p>
+            <a:r>
+              <a:rPr lang="en-US" dirty="0" smtClean="0"/>
+              <a:t>Dilation (or other shape symmetry for other similar figures)</a:t>
+            </a:r>
+          </a:p>
+          <a:p>
+            <a:r>
+              <a:rPr lang="en-US" dirty="0" smtClean="0"/>
+              <a:t>We arrange two shapes (so that their sides are parallel), define a center of dilation – and scale every vector by the given factor.</a:t>
+            </a:r>
+          </a:p>
+          <a:p>
+            <a:r>
+              <a:rPr lang="en-US" dirty="0" smtClean="0"/>
+              <a:t>In this example, the bijection can make everything 1.5 times longer.</a:t>
+            </a:r>
+            <a:endParaRPr lang="lv-LV" dirty="0"/>
+          </a:p>
+        </p:txBody>
+      </p:sp>
+      <p:pic>
+        <p:nvPicPr>
+          <p:cNvPr id="4" name="Picture 3"/>
+          <p:cNvPicPr>
+            <a:picLocks noChangeAspect="1"/>
+          </p:cNvPicPr>
+          <p:nvPr/>
+        </p:nvPicPr>
+        <p:blipFill>
+          <a:blip r:embed="rId2"/>
+          <a:stretch>
+            <a:fillRect/>
+          </a:stretch>
+        </p:blipFill>
+        <p:spPr>
+          <a:xfrm>
+            <a:off x="725260" y="2129790"/>
+            <a:ext cx="4210050" cy="2781300"/>
+          </a:xfrm>
+          <a:prstGeom prst="rect">
+            <a:avLst/>
+          </a:prstGeom>
+        </p:spPr>
+      </p:pic>
+    </p:spTree>
+    <p:extLst>
+      <p:ext uri="{BB962C8B-B14F-4D97-AF65-F5344CB8AC3E}">
+        <p14:creationId xmlns:p14="http://schemas.microsoft.com/office/powerpoint/2010/main" val="1654109381"/>
+      </p:ext>
+    </p:extLst>
+  </p:cSld>
+  <p:clrMapOvr>
+    <a:masterClrMapping/>
+  </p:clrMapOvr>
+</p:sld>
+</file>
+
+<file path=ppt/slides/slide12.xml><?xml version="1.0" encoding="utf-8"?>
+<p:sld xmlns:a="http://schemas.openxmlformats.org/drawingml/2006/main" xmlns:r="http://schemas.openxmlformats.org/officeDocument/2006/relationships" xmlns:p="http://schemas.openxmlformats.org/presentationml/2006/main">
+  <p:cSld>
+    <p:spTree>
+      <p:nvGrpSpPr>
+        <p:cNvPr id="1" name=""/>
+        <p:cNvGrpSpPr/>
+        <p:nvPr/>
+      </p:nvGrpSpPr>
+      <p:grpSpPr>
+        <a:xfrm>
+          <a:off x="0" y="0"/>
+          <a:ext cx="0" cy="0"/>
+          <a:chOff x="0" y="0"/>
+          <a:chExt cx="0" cy="0"/>
+        </a:xfrm>
+      </p:grpSpPr>
+      <p:sp>
+        <p:nvSpPr>
+          <p:cNvPr id="2" name="Title 1"/>
+          <p:cNvSpPr>
+            <a:spLocks noGrp="1"/>
+          </p:cNvSpPr>
+          <p:nvPr>
+            <p:ph type="title"/>
+          </p:nvPr>
+        </p:nvSpPr>
+        <p:spPr/>
+        <p:txBody>
+          <a:bodyPr/>
+          <a:lstStyle/>
+          <a:p>
+            <a:r>
+              <a:rPr lang="en-US" dirty="0" smtClean="0"/>
+              <a:t>Comparing Circle with </a:t>
+            </a:r>
+            <a:r>
+              <a:rPr lang="en-US" b="1" dirty="0" smtClean="0"/>
+              <a:t>R</a:t>
+            </a:r>
+            <a:r>
+              <a:rPr lang="en-US" dirty="0" smtClean="0"/>
+              <a:t>.</a:t>
+            </a:r>
+            <a:endParaRPr lang="lv-LV" dirty="0"/>
+          </a:p>
+        </p:txBody>
+      </p:sp>
+      <mc:AlternateContent xmlns:mc="http://schemas.openxmlformats.org/markup-compatibility/2006" xmlns:a14="http://schemas.microsoft.com/office/drawing/2010/main">
+        <mc:Choice Requires="a14">
+          <p:sp>
+            <p:nvSpPr>
+              <p:cNvPr id="3" name="Content Placeholder 2"/>
+              <p:cNvSpPr>
+                <a:spLocks noGrp="1"/>
+              </p:cNvSpPr>
+              <p:nvPr>
+                <p:ph idx="1"/>
+              </p:nvPr>
+            </p:nvSpPr>
+            <p:spPr>
+              <a:xfrm>
+                <a:off x="838200" y="4807131"/>
+                <a:ext cx="10515600" cy="1369831"/>
+              </a:xfrm>
+            </p:spPr>
+            <p:txBody>
+              <a:bodyPr/>
+              <a:lstStyle/>
+              <a:p>
+                <a:r>
+                  <a:rPr lang="en-US" dirty="0" smtClean="0"/>
+                  <a:t>Are there more points on the circle </a:t>
+                </a:r>
+                <a14:m>
+                  <m:oMath xmlns:m="http://schemas.openxmlformats.org/officeDocument/2006/math">
+                    <m:r>
+                      <a:rPr lang="en-US" i="1" dirty="0" smtClean="0">
+                        <a:latin typeface="Cambria Math" panose="02040503050406030204" pitchFamily="18" charset="0"/>
+                        <a:ea typeface="Cambria Math" panose="02040503050406030204" pitchFamily="18" charset="0"/>
+                      </a:rPr>
+                      <m:t>𝛼</m:t>
+                    </m:r>
+                    <m:r>
+                      <a:rPr lang="en-US" i="1" dirty="0" smtClean="0">
+                        <a:latin typeface="Cambria Math" panose="02040503050406030204" pitchFamily="18" charset="0"/>
+                        <a:ea typeface="Cambria Math" panose="02040503050406030204" pitchFamily="18" charset="0"/>
+                      </a:rPr>
+                      <m:t>∈(−</m:t>
+                    </m:r>
+                    <m:r>
+                      <a:rPr lang="en-US" i="1" dirty="0" smtClean="0">
+                        <a:latin typeface="Cambria Math" panose="02040503050406030204" pitchFamily="18" charset="0"/>
+                        <a:ea typeface="Cambria Math" panose="02040503050406030204" pitchFamily="18" charset="0"/>
+                      </a:rPr>
+                      <m:t>𝜋</m:t>
+                    </m:r>
+                    <m:r>
+                      <a:rPr lang="en-US" i="1" dirty="0" smtClean="0">
+                        <a:latin typeface="Cambria Math" panose="02040503050406030204" pitchFamily="18" charset="0"/>
+                      </a:rPr>
+                      <m:t>,</m:t>
+                    </m:r>
+                    <m:r>
+                      <a:rPr lang="en-US" i="1" dirty="0">
+                        <a:latin typeface="Cambria Math" panose="02040503050406030204" pitchFamily="18" charset="0"/>
+                        <a:ea typeface="Cambria Math" panose="02040503050406030204" pitchFamily="18" charset="0"/>
+                      </a:rPr>
+                      <m:t>𝜋</m:t>
+                    </m:r>
+                    <m:r>
+                      <a:rPr lang="en-US" i="1" dirty="0" smtClean="0">
+                        <a:latin typeface="Cambria Math" panose="02040503050406030204" pitchFamily="18" charset="0"/>
+                      </a:rPr>
+                      <m:t>)</m:t>
+                    </m:r>
+                  </m:oMath>
+                </a14:m>
+                <a:r>
+                  <a:rPr lang="en-US" dirty="0" smtClean="0"/>
+                  <a:t>, or on the infinite line R ? </a:t>
+                </a:r>
+                <a:endParaRPr lang="lv-LV" dirty="0"/>
+              </a:p>
+            </p:txBody>
+          </p:sp>
+        </mc:Choice>
+        <mc:Fallback xmlns="">
+          <p:sp>
+            <p:nvSpPr>
+              <p:cNvPr id="3" name="Content Placeholder 2"/>
+              <p:cNvSpPr>
+                <a:spLocks noGrp="1" noRot="1" noChangeAspect="1" noMove="1" noResize="1" noEditPoints="1" noAdjustHandles="1" noChangeArrowheads="1" noChangeShapeType="1" noTextEdit="1"/>
+              </p:cNvSpPr>
+              <p:nvPr>
+                <p:ph idx="1"/>
+              </p:nvPr>
+            </p:nvSpPr>
+            <p:spPr>
+              <a:xfrm>
+                <a:off x="838200" y="4807131"/>
+                <a:ext cx="10515600" cy="1369831"/>
+              </a:xfrm>
+              <a:blipFill>
+                <a:blip r:embed="rId2"/>
+                <a:stretch>
+                  <a:fillRect l="-1043" t="-7589"/>
+                </a:stretch>
+              </a:blipFill>
+            </p:spPr>
+            <p:txBody>
+              <a:bodyPr/>
+              <a:lstStyle/>
+              <a:p>
+                <a:r>
+                  <a:rPr lang="lv-LV">
+                    <a:noFill/>
+                  </a:rPr>
+                  <a:t> </a:t>
+                </a:r>
+              </a:p>
+            </p:txBody>
+          </p:sp>
+        </mc:Fallback>
+      </mc:AlternateContent>
+      <p:pic>
+        <p:nvPicPr>
+          <p:cNvPr id="4" name="Picture 2" descr="https://2.bp.blogspot.com/-SmykDdYg_mA/VeSytC9VMpI/AAAAAAAADC4/hA2MC1ngW1w/s640/projective-line-diagram.jpg"/>
+          <p:cNvPicPr>
+            <a:picLocks noChangeAspect="1" noChangeArrowheads="1"/>
+          </p:cNvPicPr>
+          <p:nvPr/>
+        </p:nvPicPr>
+        <p:blipFill>
+          <a:blip r:embed="rId3">
+            <a:extLst>
+              <a:ext uri="{28A0092B-C50C-407E-A947-70E740481C1C}">
+                <a14:useLocalDpi xmlns:a14="http://schemas.microsoft.com/office/drawing/2010/main" val="0"/>
+              </a:ext>
+            </a:extLst>
+          </a:blip>
+          <a:srcRect/>
+          <a:stretch>
+            <a:fillRect/>
+          </a:stretch>
+        </p:blipFill>
+        <p:spPr bwMode="auto">
+          <a:xfrm>
+            <a:off x="838200" y="1690688"/>
+            <a:ext cx="9426050" cy="2724719"/>
+          </a:xfrm>
+          <a:prstGeom prst="rect">
+            <a:avLst/>
+          </a:prstGeom>
+          <a:noFill/>
+          <a:extLst>
+            <a:ext uri="{909E8E84-426E-40DD-AFC4-6F175D3DCCD1}">
+              <a14:hiddenFill xmlns:a14="http://schemas.microsoft.com/office/drawing/2010/main">
+                <a:solidFill>
+                  <a:srgbClr val="FFFFFF"/>
+                </a:solidFill>
+              </a14:hiddenFill>
+            </a:ext>
+          </a:extLst>
+        </p:spPr>
+      </p:pic>
+    </p:spTree>
+    <p:extLst>
+      <p:ext uri="{BB962C8B-B14F-4D97-AF65-F5344CB8AC3E}">
+        <p14:creationId xmlns:p14="http://schemas.microsoft.com/office/powerpoint/2010/main" val="50429597"/>
+      </p:ext>
+    </p:extLst>
+  </p:cSld>
+  <p:clrMapOvr>
+    <a:masterClrMapping/>
+  </p:clrMapOvr>
+</p:sld>
+</file>
+
+<file path=ppt/slides/slide13.xml><?xml version="1.0" encoding="utf-8"?>
+<p:sld xmlns:a="http://schemas.openxmlformats.org/drawingml/2006/main" xmlns:r="http://schemas.openxmlformats.org/officeDocument/2006/relationships" xmlns:p="http://schemas.openxmlformats.org/presentationml/2006/main">
+  <p:cSld>
+    <p:spTree>
+      <p:nvGrpSpPr>
+        <p:cNvPr id="1" name=""/>
+        <p:cNvGrpSpPr/>
+        <p:nvPr/>
+      </p:nvGrpSpPr>
+      <p:grpSpPr>
+        <a:xfrm>
+          <a:off x="0" y="0"/>
+          <a:ext cx="0" cy="0"/>
+          <a:chOff x="0" y="0"/>
+          <a:chExt cx="0" cy="0"/>
+        </a:xfrm>
+      </p:grpSpPr>
+      <p:sp>
+        <p:nvSpPr>
+          <p:cNvPr id="4" name="Title 3"/>
+          <p:cNvSpPr>
+            <a:spLocks noGrp="1"/>
+          </p:cNvSpPr>
+          <p:nvPr>
+            <p:ph type="title"/>
+          </p:nvPr>
+        </p:nvSpPr>
+        <p:spPr/>
+        <p:txBody>
+          <a:bodyPr/>
+          <a:lstStyle/>
+          <a:p>
+            <a:endParaRPr lang="lv-LV"/>
+          </a:p>
+        </p:txBody>
+      </p:sp>
+      <p:sp>
+        <p:nvSpPr>
+          <p:cNvPr id="6" name="Content Placeholder 5"/>
+          <p:cNvSpPr>
+            <a:spLocks noGrp="1"/>
+          </p:cNvSpPr>
+          <p:nvPr>
+            <p:ph sz="half" idx="2"/>
+          </p:nvPr>
+        </p:nvSpPr>
+        <p:spPr/>
+        <p:txBody>
+          <a:bodyPr/>
+          <a:lstStyle/>
+          <a:p>
+            <a:r>
+              <a:rPr lang="en-US" dirty="0" smtClean="0"/>
+              <a:t>The function shows that x is in the open interval (0;1), but the values f(x) have range (0;1]. </a:t>
+            </a:r>
+            <a:endParaRPr lang="lv-LV" dirty="0"/>
+          </a:p>
+        </p:txBody>
+      </p:sp>
+      <p:pic>
+        <p:nvPicPr>
+          <p:cNvPr id="2050" name="Picture 2" descr="How to define a bijection between $(0,1)$ and $(0,1]$? - Mathematics Stack  Exchange"/>
+          <p:cNvPicPr>
+            <a:picLocks noChangeAspect="1" noChangeArrowheads="1"/>
+          </p:cNvPicPr>
+          <p:nvPr/>
+        </p:nvPicPr>
+        <p:blipFill>
+          <a:blip r:embed="rId2">
+            <a:extLst>
+              <a:ext uri="{28A0092B-C50C-407E-A947-70E740481C1C}">
+                <a14:useLocalDpi xmlns:a14="http://schemas.microsoft.com/office/drawing/2010/main" val="0"/>
+              </a:ext>
+            </a:extLst>
+          </a:blip>
+          <a:srcRect/>
+          <a:stretch>
+            <a:fillRect/>
+          </a:stretch>
+        </p:blipFill>
+        <p:spPr bwMode="auto">
+          <a:xfrm>
+            <a:off x="181702" y="1825625"/>
+            <a:ext cx="5419725" cy="4772025"/>
+          </a:xfrm>
+          <a:prstGeom prst="rect">
+            <a:avLst/>
+          </a:prstGeom>
+          <a:noFill/>
+          <a:extLst>
+            <a:ext uri="{909E8E84-426E-40DD-AFC4-6F175D3DCCD1}">
+              <a14:hiddenFill xmlns:a14="http://schemas.microsoft.com/office/drawing/2010/main">
+                <a:solidFill>
+                  <a:srgbClr val="FFFFFF"/>
+                </a:solidFill>
+              </a14:hiddenFill>
+            </a:ext>
+          </a:extLst>
+        </p:spPr>
+      </p:pic>
+    </p:spTree>
+    <p:extLst>
+      <p:ext uri="{BB962C8B-B14F-4D97-AF65-F5344CB8AC3E}">
+        <p14:creationId xmlns:p14="http://schemas.microsoft.com/office/powerpoint/2010/main" val="3054478128"/>
+      </p:ext>
+    </p:extLst>
+  </p:cSld>
+  <p:clrMapOvr>
+    <a:masterClrMapping/>
+  </p:clrMapOvr>
+</p:sld>
+</file>
+
+<file path=ppt/slides/slide14.xml><?xml version="1.0" encoding="utf-8"?>
+<p:sld xmlns:a="http://schemas.openxmlformats.org/drawingml/2006/main" xmlns:r="http://schemas.openxmlformats.org/officeDocument/2006/relationships" xmlns:p="http://schemas.openxmlformats.org/presentationml/2006/main">
+  <p:cSld>
+    <p:spTree>
+      <p:nvGrpSpPr>
+        <p:cNvPr id="1" name=""/>
+        <p:cNvGrpSpPr/>
+        <p:nvPr/>
+      </p:nvGrpSpPr>
+      <p:grpSpPr>
+        <a:xfrm>
+          <a:off x="0" y="0"/>
+          <a:ext cx="0" cy="0"/>
+          <a:chOff x="0" y="0"/>
+          <a:chExt cx="0" cy="0"/>
+        </a:xfrm>
+      </p:grpSpPr>
+      <p:sp>
+        <p:nvSpPr>
+          <p:cNvPr id="2" name="Title 1"/>
+          <p:cNvSpPr>
+            <a:spLocks noGrp="1"/>
+          </p:cNvSpPr>
+          <p:nvPr>
+            <p:ph type="title"/>
+          </p:nvPr>
+        </p:nvSpPr>
+        <p:spPr/>
+        <p:txBody>
+          <a:bodyPr/>
+          <a:lstStyle/>
+          <a:p>
+            <a:r>
+              <a:rPr lang="en-US" dirty="0" smtClean="0"/>
+              <a:t>Theorem: </a:t>
+            </a:r>
+            <a:r>
+              <a:rPr lang="lv-LV" dirty="0"/>
+              <a:t>Schröder–Bernstein</a:t>
+            </a:r>
+          </a:p>
+        </p:txBody>
+      </p:sp>
+      <mc:AlternateContent xmlns:mc="http://schemas.openxmlformats.org/markup-compatibility/2006" xmlns:a14="http://schemas.microsoft.com/office/drawing/2010/main">
+        <mc:Choice Requires="a14">
+          <p:sp>
+            <p:nvSpPr>
+              <p:cNvPr id="5" name="Content Placeholder 4"/>
+              <p:cNvSpPr>
+                <a:spLocks noGrp="1"/>
+              </p:cNvSpPr>
+              <p:nvPr>
+                <p:ph idx="1"/>
+              </p:nvPr>
+            </p:nvSpPr>
+            <p:spPr/>
+            <p:txBody>
+              <a:bodyPr/>
+              <a:lstStyle/>
+              <a:p>
+                <a:r>
+                  <a:rPr lang="lv-LV" b="1" dirty="0" smtClean="0"/>
+                  <a:t>Schröder–Bernstein theorem</a:t>
+                </a:r>
+                <a:r>
+                  <a:rPr lang="en-US" b="1" dirty="0" smtClean="0"/>
+                  <a:t>.</a:t>
+                </a:r>
+                <a:r>
+                  <a:rPr lang="en-US" dirty="0"/>
+                  <a:t> I</a:t>
+                </a:r>
+                <a:r>
+                  <a:rPr lang="en-US" dirty="0" smtClean="0"/>
+                  <a:t>f </a:t>
+                </a:r>
+                <a:r>
+                  <a:rPr lang="en-US" dirty="0"/>
+                  <a:t>there exist injective functions </a:t>
+                </a:r>
+                <a:r>
+                  <a:rPr lang="en-US" i="1" dirty="0"/>
+                  <a:t>f</a:t>
+                </a:r>
+                <a:r>
+                  <a:rPr lang="en-US" dirty="0"/>
+                  <a:t> : </a:t>
+                </a:r>
+                <a:r>
+                  <a:rPr lang="en-US" i="1" dirty="0"/>
+                  <a:t>A</a:t>
+                </a:r>
+                <a:r>
+                  <a:rPr lang="en-US" dirty="0"/>
+                  <a:t> → </a:t>
+                </a:r>
+                <a:r>
+                  <a:rPr lang="en-US" i="1" dirty="0"/>
+                  <a:t>B</a:t>
+                </a:r>
+                <a:r>
+                  <a:rPr lang="en-US" dirty="0"/>
+                  <a:t> and </a:t>
+                </a:r>
+                <a:r>
+                  <a:rPr lang="en-US" i="1" dirty="0"/>
+                  <a:t>g</a:t>
+                </a:r>
+                <a:r>
+                  <a:rPr lang="en-US" dirty="0"/>
+                  <a:t> : </a:t>
+                </a:r>
+                <a:r>
+                  <a:rPr lang="en-US" i="1" dirty="0"/>
+                  <a:t>B</a:t>
+                </a:r>
+                <a:r>
+                  <a:rPr lang="en-US" dirty="0"/>
+                  <a:t> → </a:t>
+                </a:r>
+                <a:r>
+                  <a:rPr lang="en-US" i="1" dirty="0"/>
+                  <a:t>A</a:t>
+                </a:r>
+                <a:r>
+                  <a:rPr lang="en-US" dirty="0"/>
+                  <a:t> between the sets </a:t>
+                </a:r>
+                <a:r>
+                  <a:rPr lang="en-US" i="1" dirty="0"/>
+                  <a:t>A</a:t>
+                </a:r>
+                <a:r>
+                  <a:rPr lang="en-US" dirty="0"/>
+                  <a:t> and </a:t>
+                </a:r>
+                <a:r>
+                  <a:rPr lang="en-US" i="1" dirty="0"/>
+                  <a:t>B</a:t>
+                </a:r>
+                <a:r>
+                  <a:rPr lang="en-US" dirty="0"/>
+                  <a:t>, then there exists a bijective function </a:t>
+                </a:r>
+                <a:r>
+                  <a:rPr lang="en-US" i="1" dirty="0"/>
+                  <a:t>h</a:t>
+                </a:r>
+                <a:r>
+                  <a:rPr lang="en-US" dirty="0"/>
+                  <a:t> : </a:t>
+                </a:r>
+                <a:r>
+                  <a:rPr lang="en-US" i="1" dirty="0"/>
+                  <a:t>A</a:t>
+                </a:r>
+                <a:r>
+                  <a:rPr lang="en-US" dirty="0"/>
+                  <a:t> → </a:t>
+                </a:r>
+                <a:r>
+                  <a:rPr lang="en-US" i="1" dirty="0"/>
+                  <a:t>B</a:t>
+                </a:r>
+                <a:r>
+                  <a:rPr lang="en-US" dirty="0" smtClean="0"/>
+                  <a:t>.</a:t>
+                </a:r>
+              </a:p>
+              <a:p>
+                <a:r>
+                  <a:rPr lang="en-US" dirty="0" smtClean="0"/>
+                  <a:t>For set </a:t>
+                </a:r>
+                <a:r>
+                  <a:rPr lang="en-US" dirty="0" err="1" smtClean="0"/>
+                  <a:t>cardinalitities</a:t>
+                </a:r>
+                <a:r>
+                  <a:rPr lang="en-US" dirty="0" smtClean="0"/>
+                  <a:t> this means the following:</a:t>
+                </a:r>
+                <a:br>
+                  <a:rPr lang="en-US" dirty="0" smtClean="0"/>
+                </a:br>
+                <a:r>
+                  <a:rPr lang="en-US" dirty="0" smtClean="0"/>
+                  <a:t>If </a:t>
+                </a:r>
+                <a14:m>
+                  <m:oMath xmlns:m="http://schemas.openxmlformats.org/officeDocument/2006/math">
+                    <m:r>
+                      <a:rPr lang="en-US" i="1" dirty="0" smtClean="0">
+                        <a:latin typeface="Cambria Math" panose="02040503050406030204" pitchFamily="18" charset="0"/>
+                      </a:rPr>
+                      <m:t>|</m:t>
+                    </m:r>
+                    <m:r>
+                      <a:rPr lang="en-US" i="1" dirty="0" smtClean="0">
+                        <a:latin typeface="Cambria Math" panose="02040503050406030204" pitchFamily="18" charset="0"/>
+                      </a:rPr>
+                      <m:t>𝐴</m:t>
+                    </m:r>
+                    <m:r>
+                      <a:rPr lang="en-US" i="1" dirty="0" smtClean="0">
+                        <a:latin typeface="Cambria Math" panose="02040503050406030204" pitchFamily="18" charset="0"/>
+                      </a:rPr>
+                      <m:t>|≤|</m:t>
+                    </m:r>
+                    <m:r>
+                      <a:rPr lang="en-US" b="0" i="1" dirty="0" smtClean="0">
+                        <a:latin typeface="Cambria Math" panose="02040503050406030204" pitchFamily="18" charset="0"/>
+                        <a:ea typeface="Cambria Math" panose="02040503050406030204" pitchFamily="18" charset="0"/>
+                      </a:rPr>
+                      <m:t>𝐵</m:t>
+                    </m:r>
+                    <m:r>
+                      <a:rPr lang="en-US" b="0" i="1" dirty="0" smtClean="0">
+                        <a:latin typeface="Cambria Math" panose="02040503050406030204" pitchFamily="18" charset="0"/>
+                        <a:ea typeface="Cambria Math" panose="02040503050406030204" pitchFamily="18" charset="0"/>
+                      </a:rPr>
+                      <m:t>|</m:t>
+                    </m:r>
+                  </m:oMath>
+                </a14:m>
+                <a:r>
+                  <a:rPr lang="en-US" dirty="0" smtClean="0"/>
+                  <a:t> and </a:t>
+                </a:r>
+                <a14:m>
+                  <m:oMath xmlns:m="http://schemas.openxmlformats.org/officeDocument/2006/math">
+                    <m:r>
+                      <a:rPr lang="en-US" i="1" dirty="0">
+                        <a:latin typeface="Cambria Math" panose="02040503050406030204" pitchFamily="18" charset="0"/>
+                      </a:rPr>
+                      <m:t>|</m:t>
+                    </m:r>
+                    <m:r>
+                      <a:rPr lang="en-US" b="0" i="1" dirty="0" smtClean="0">
+                        <a:latin typeface="Cambria Math" panose="02040503050406030204" pitchFamily="18" charset="0"/>
+                      </a:rPr>
+                      <m:t>𝐵</m:t>
+                    </m:r>
+                    <m:r>
+                      <a:rPr lang="en-US" i="1" dirty="0">
+                        <a:latin typeface="Cambria Math" panose="02040503050406030204" pitchFamily="18" charset="0"/>
+                      </a:rPr>
+                      <m:t>|≤|</m:t>
+                    </m:r>
+                    <m:r>
+                      <a:rPr lang="en-US" b="0" i="1" dirty="0" smtClean="0">
+                        <a:latin typeface="Cambria Math" panose="02040503050406030204" pitchFamily="18" charset="0"/>
+                        <a:ea typeface="Cambria Math" panose="02040503050406030204" pitchFamily="18" charset="0"/>
+                      </a:rPr>
+                      <m:t>𝐴</m:t>
+                    </m:r>
+                    <m:r>
+                      <a:rPr lang="en-US" i="1" dirty="0">
+                        <a:latin typeface="Cambria Math" panose="02040503050406030204" pitchFamily="18" charset="0"/>
+                        <a:ea typeface="Cambria Math" panose="02040503050406030204" pitchFamily="18" charset="0"/>
+                      </a:rPr>
+                      <m:t>|</m:t>
+                    </m:r>
+                  </m:oMath>
+                </a14:m>
+                <a:r>
+                  <a:rPr lang="en-US" dirty="0" smtClean="0"/>
+                  <a:t>, then also </a:t>
+                </a:r>
+                <a14:m>
+                  <m:oMath xmlns:m="http://schemas.openxmlformats.org/officeDocument/2006/math">
+                    <m:d>
+                      <m:dPr>
+                        <m:begChr m:val="|"/>
+                        <m:endChr m:val="|"/>
+                        <m:ctrlPr>
+                          <a:rPr lang="en-US" i="1" dirty="0">
+                            <a:latin typeface="Cambria Math" panose="02040503050406030204" pitchFamily="18" charset="0"/>
+                          </a:rPr>
+                        </m:ctrlPr>
+                      </m:dPr>
+                      <m:e>
+                        <m:r>
+                          <a:rPr lang="en-US" i="1" dirty="0">
+                            <a:latin typeface="Cambria Math" panose="02040503050406030204" pitchFamily="18" charset="0"/>
+                          </a:rPr>
+                          <m:t>𝐴</m:t>
+                        </m:r>
+                      </m:e>
+                    </m:d>
+                    <m:r>
+                      <a:rPr lang="en-US" b="0" i="1" dirty="0" smtClean="0">
+                        <a:latin typeface="Cambria Math" panose="02040503050406030204" pitchFamily="18" charset="0"/>
+                      </a:rPr>
+                      <m:t>=</m:t>
+                    </m:r>
+                    <m:r>
+                      <a:rPr lang="en-US" i="1" dirty="0">
+                        <a:latin typeface="Cambria Math" panose="02040503050406030204" pitchFamily="18" charset="0"/>
+                      </a:rPr>
+                      <m:t>|</m:t>
+                    </m:r>
+                    <m:r>
+                      <a:rPr lang="en-US" i="1" dirty="0">
+                        <a:latin typeface="Cambria Math" panose="02040503050406030204" pitchFamily="18" charset="0"/>
+                        <a:ea typeface="Cambria Math" panose="02040503050406030204" pitchFamily="18" charset="0"/>
+                      </a:rPr>
+                      <m:t>𝐵</m:t>
+                    </m:r>
+                    <m:r>
+                      <a:rPr lang="en-US" i="1" dirty="0">
+                        <a:latin typeface="Cambria Math" panose="02040503050406030204" pitchFamily="18" charset="0"/>
+                        <a:ea typeface="Cambria Math" panose="02040503050406030204" pitchFamily="18" charset="0"/>
+                      </a:rPr>
+                      <m:t>|</m:t>
+                    </m:r>
+                  </m:oMath>
+                </a14:m>
+                <a:r>
+                  <a:rPr lang="en-US" dirty="0" smtClean="0"/>
+                  <a:t>.</a:t>
+                </a:r>
+              </a:p>
+              <a:p>
+                <a:r>
+                  <a:rPr lang="en-US" dirty="0" smtClean="0"/>
+                  <a:t>(We write </a:t>
+                </a:r>
+                <a14:m>
+                  <m:oMath xmlns:m="http://schemas.openxmlformats.org/officeDocument/2006/math">
+                    <m:r>
+                      <a:rPr lang="en-US" i="1" dirty="0">
+                        <a:latin typeface="Cambria Math" panose="02040503050406030204" pitchFamily="18" charset="0"/>
+                      </a:rPr>
+                      <m:t>|</m:t>
+                    </m:r>
+                    <m:r>
+                      <a:rPr lang="en-US" i="1" dirty="0">
+                        <a:latin typeface="Cambria Math" panose="02040503050406030204" pitchFamily="18" charset="0"/>
+                      </a:rPr>
+                      <m:t>𝐴</m:t>
+                    </m:r>
+                    <m:r>
+                      <a:rPr lang="en-US" i="1" dirty="0">
+                        <a:latin typeface="Cambria Math" panose="02040503050406030204" pitchFamily="18" charset="0"/>
+                      </a:rPr>
+                      <m:t>|≤|</m:t>
+                    </m:r>
+                    <m:r>
+                      <a:rPr lang="en-US" i="1" dirty="0">
+                        <a:latin typeface="Cambria Math" panose="02040503050406030204" pitchFamily="18" charset="0"/>
+                        <a:ea typeface="Cambria Math" panose="02040503050406030204" pitchFamily="18" charset="0"/>
+                      </a:rPr>
+                      <m:t>𝐵</m:t>
+                    </m:r>
+                    <m:r>
+                      <a:rPr lang="en-US" i="1" dirty="0">
+                        <a:latin typeface="Cambria Math" panose="02040503050406030204" pitchFamily="18" charset="0"/>
+                        <a:ea typeface="Cambria Math" panose="02040503050406030204" pitchFamily="18" charset="0"/>
+                      </a:rPr>
+                      <m:t>|</m:t>
+                    </m:r>
+                  </m:oMath>
+                </a14:m>
+                <a:r>
+                  <a:rPr lang="en-US" dirty="0" smtClean="0"/>
+                  <a:t> if there is an injection from A into B, i.e. there are certainly no more elements in A than in B, if we can seat them in B without collisions.)</a:t>
+                </a:r>
+              </a:p>
+              <a:p>
+                <a:endParaRPr lang="lv-LV" dirty="0"/>
+              </a:p>
+            </p:txBody>
+          </p:sp>
+        </mc:Choice>
+        <mc:Fallback xmlns="">
+          <p:sp>
+            <p:nvSpPr>
+              <p:cNvPr id="5" name="Content Placeholder 4"/>
+              <p:cNvSpPr>
+                <a:spLocks noGrp="1" noRot="1" noChangeAspect="1" noMove="1" noResize="1" noEditPoints="1" noAdjustHandles="1" noChangeArrowheads="1" noChangeShapeType="1" noTextEdit="1"/>
+              </p:cNvSpPr>
+              <p:nvPr>
+                <p:ph idx="1"/>
+              </p:nvPr>
+            </p:nvSpPr>
+            <p:spPr>
+              <a:blipFill>
+                <a:blip r:embed="rId2"/>
+                <a:stretch>
+                  <a:fillRect l="-1043" t="-2241" r="-1855"/>
+                </a:stretch>
+              </a:blipFill>
+            </p:spPr>
+            <p:txBody>
+              <a:bodyPr/>
+              <a:lstStyle/>
+              <a:p>
+                <a:r>
+                  <a:rPr lang="lv-LV">
+                    <a:noFill/>
+                  </a:rPr>
+                  <a:t> </a:t>
+                </a:r>
+              </a:p>
+            </p:txBody>
+          </p:sp>
+        </mc:Fallback>
+      </mc:AlternateContent>
+    </p:spTree>
+    <p:extLst>
+      <p:ext uri="{BB962C8B-B14F-4D97-AF65-F5344CB8AC3E}">
+        <p14:creationId xmlns:p14="http://schemas.microsoft.com/office/powerpoint/2010/main" val="1840958003"/>
+      </p:ext>
+    </p:extLst>
+  </p:cSld>
+  <p:clrMapOvr>
+    <a:masterClrMapping/>
+  </p:clrMapOvr>
+</p:sld>
+</file>
+
+<file path=ppt/slides/slide15.xml><?xml version="1.0" encoding="utf-8"?>
+<p:sld xmlns:a="http://schemas.openxmlformats.org/drawingml/2006/main" xmlns:r="http://schemas.openxmlformats.org/officeDocument/2006/relationships" xmlns:p="http://schemas.openxmlformats.org/presentationml/2006/main">
+  <p:cSld>
+    <p:spTree>
+      <p:nvGrpSpPr>
+        <p:cNvPr id="1" name=""/>
+        <p:cNvGrpSpPr/>
+        <p:nvPr/>
+      </p:nvGrpSpPr>
+      <p:grpSpPr>
+        <a:xfrm>
+          <a:off x="0" y="0"/>
+          <a:ext cx="0" cy="0"/>
+          <a:chOff x="0" y="0"/>
+          <a:chExt cx="0" cy="0"/>
+        </a:xfrm>
+      </p:grpSpPr>
+      <p:sp>
+        <p:nvSpPr>
+          <p:cNvPr id="2" name="Title 1"/>
+          <p:cNvSpPr>
+            <a:spLocks noGrp="1"/>
+          </p:cNvSpPr>
+          <p:nvPr>
+            <p:ph type="title"/>
+          </p:nvPr>
+        </p:nvSpPr>
+        <p:spPr/>
+        <p:txBody>
+          <a:bodyPr/>
+          <a:lstStyle/>
+          <a:p>
+            <a:r>
+              <a:rPr lang="en-US" dirty="0" smtClean="0"/>
               <a:t>Strings</a:t>
             </a:r>
             <a:endParaRPr lang="en-US" dirty="0"/>
@@ -4096,7 +4974,7 @@
 </p:sld>
 </file>
 
-<file path=ppt/slides/slide12.xml><?xml version="1.0" encoding="utf-8"?>
+<file path=ppt/slides/slide16.xml><?xml version="1.0" encoding="utf-8"?>
 <p:sld xmlns:a="http://schemas.openxmlformats.org/drawingml/2006/main" xmlns:r="http://schemas.openxmlformats.org/officeDocument/2006/relationships" xmlns:p="http://schemas.openxmlformats.org/presentationml/2006/main">
   <p:cSld>
     <p:spTree>
@@ -4252,7 +5130,7 @@
         </p:nvSpPr>
         <p:spPr>
           <a:xfrm rot="5400000" flipV="1">
-            <a:off x="9829800" y="5257800"/>
+            <a:off x="9829800" y="6093823"/>
             <a:ext cx="152400" cy="152400"/>
           </a:xfrm>
           <a:prstGeom prst="triangle">
@@ -4312,7 +5190,7 @@
 </p:sld>
 </file>
 
-<file path=ppt/slides/slide13.xml><?xml version="1.0" encoding="utf-8"?>
+<file path=ppt/slides/slide17.xml><?xml version="1.0" encoding="utf-8"?>
 <p:sld xmlns:a="http://schemas.openxmlformats.org/drawingml/2006/main" xmlns:r="http://schemas.openxmlformats.org/officeDocument/2006/relationships" xmlns:p="http://schemas.openxmlformats.org/presentationml/2006/main">
   <p:cSld>
     <p:spTree>
@@ -4904,7 +5782,7 @@
         </p:nvSpPr>
         <p:spPr>
           <a:xfrm>
-            <a:off x="7010400" y="533401"/>
+            <a:off x="7276624" y="228601"/>
             <a:ext cx="1676400" cy="646331"/>
           </a:xfrm>
           <a:prstGeom prst="rect">
@@ -4951,7 +5829,7 @@
 </p:sld>
 </file>
 
-<file path=ppt/slides/slide14.xml><?xml version="1.0" encoding="utf-8"?>
+<file path=ppt/slides/slide18.xml><?xml version="1.0" encoding="utf-8"?>
 <p:sld xmlns:a="http://schemas.openxmlformats.org/drawingml/2006/main" xmlns:r="http://schemas.openxmlformats.org/officeDocument/2006/relationships" xmlns:p="http://schemas.openxmlformats.org/presentationml/2006/main">
   <p:cSld>
     <p:spTree>
@@ -5105,6 +5983,244 @@
 </p:sld>
 </file>
 
+<file path=ppt/slides/slide19.xml><?xml version="1.0" encoding="utf-8"?>
+<p:sld xmlns:a="http://schemas.openxmlformats.org/drawingml/2006/main" xmlns:r="http://schemas.openxmlformats.org/officeDocument/2006/relationships" xmlns:p="http://schemas.openxmlformats.org/presentationml/2006/main">
+  <p:cSld>
+    <p:spTree>
+      <p:nvGrpSpPr>
+        <p:cNvPr id="1" name=""/>
+        <p:cNvGrpSpPr/>
+        <p:nvPr/>
+      </p:nvGrpSpPr>
+      <p:grpSpPr>
+        <a:xfrm>
+          <a:off x="0" y="0"/>
+          <a:ext cx="0" cy="0"/>
+          <a:chOff x="0" y="0"/>
+          <a:chExt cx="0" cy="0"/>
+        </a:xfrm>
+      </p:grpSpPr>
+      <p:sp>
+        <p:nvSpPr>
+          <p:cNvPr id="2" name="Title 1"/>
+          <p:cNvSpPr>
+            <a:spLocks noGrp="1"/>
+          </p:cNvSpPr>
+          <p:nvPr>
+            <p:ph type="title"/>
+          </p:nvPr>
+        </p:nvSpPr>
+        <p:spPr/>
+        <p:txBody>
+          <a:bodyPr/>
+          <a:lstStyle/>
+          <a:p>
+            <a:r>
+              <a:rPr lang="lv-LV" dirty="0" smtClean="0"/>
+              <a:t>Halting Problem – Uncomputable Function</a:t>
+            </a:r>
+            <a:endParaRPr lang="lv-LV" dirty="0"/>
+          </a:p>
+        </p:txBody>
+      </p:sp>
+      <p:sp>
+        <p:nvSpPr>
+          <p:cNvPr id="3" name="Content Placeholder 2"/>
+          <p:cNvSpPr>
+            <a:spLocks noGrp="1"/>
+          </p:cNvSpPr>
+          <p:nvPr>
+            <p:ph idx="1"/>
+          </p:nvPr>
+        </p:nvSpPr>
+        <p:spPr>
+          <a:xfrm>
+            <a:off x="7268935" y="1399106"/>
+            <a:ext cx="4084865" cy="5270420"/>
+          </a:xfrm>
+        </p:spPr>
+        <p:txBody>
+          <a:bodyPr>
+            <a:noAutofit/>
+          </a:bodyPr>
+          <a:lstStyle/>
+          <a:p>
+            <a:r>
+              <a:rPr lang="lv-LV" dirty="0" smtClean="0"/>
+              <a:t>Halting function h(i,</a:t>
+            </a:r>
+            <a:r>
+              <a:rPr lang="en-US" dirty="0" smtClean="0"/>
+              <a:t>j</a:t>
+            </a:r>
+            <a:r>
+              <a:rPr lang="lv-LV" dirty="0" smtClean="0"/>
+              <a:t>)</a:t>
+            </a:r>
+            <a:r>
+              <a:rPr lang="en-US" dirty="0" smtClean="0"/>
+              <a:t> is defined.</a:t>
+            </a:r>
+          </a:p>
+          <a:p>
+            <a:r>
+              <a:rPr lang="en-US" dirty="0" smtClean="0"/>
+              <a:t>Assume f(</a:t>
+            </a:r>
+            <a:r>
+              <a:rPr lang="en-US" dirty="0" err="1" smtClean="0"/>
+              <a:t>i,j</a:t>
+            </a:r>
+            <a:r>
+              <a:rPr lang="en-US" dirty="0" smtClean="0"/>
+              <a:t>) is an algorithm to compute it.</a:t>
+            </a:r>
+          </a:p>
+          <a:p>
+            <a:r>
+              <a:rPr lang="en-US" dirty="0" smtClean="0"/>
+              <a:t>Build a single-argument g(</a:t>
+            </a:r>
+            <a:r>
+              <a:rPr lang="en-US" dirty="0" err="1" smtClean="0"/>
+              <a:t>i</a:t>
+            </a:r>
+            <a:r>
+              <a:rPr lang="en-US" dirty="0" smtClean="0"/>
+              <a:t>) – it does not stop, when f(</a:t>
+            </a:r>
+            <a:r>
+              <a:rPr lang="en-US" dirty="0" err="1" smtClean="0"/>
+              <a:t>i,j</a:t>
+            </a:r>
+            <a:r>
+              <a:rPr lang="en-US" dirty="0" smtClean="0"/>
+              <a:t>) says to stop.</a:t>
+            </a:r>
+          </a:p>
+          <a:p>
+            <a:r>
+              <a:rPr lang="en-US" dirty="0" smtClean="0"/>
+              <a:t>g(</a:t>
+            </a:r>
+            <a:r>
+              <a:rPr lang="en-US" dirty="0" err="1" smtClean="0"/>
+              <a:t>i</a:t>
+            </a:r>
+            <a:r>
+              <a:rPr lang="en-US" dirty="0" smtClean="0"/>
+              <a:t>) is a computable function – so it also has some algorithm number. </a:t>
+            </a:r>
+          </a:p>
+          <a:p>
+            <a:r>
+              <a:rPr lang="en-US" dirty="0" smtClean="0"/>
+              <a:t>Can f(</a:t>
+            </a:r>
+            <a:r>
+              <a:rPr lang="en-US" dirty="0" err="1"/>
+              <a:t>i</a:t>
+            </a:r>
+            <a:r>
+              <a:rPr lang="en-US" dirty="0" err="1" smtClean="0"/>
+              <a:t>,j</a:t>
+            </a:r>
+            <a:r>
+              <a:rPr lang="en-US" dirty="0" smtClean="0"/>
+              <a:t>) behave correctly on g's number?</a:t>
+            </a:r>
+            <a:endParaRPr lang="lv-LV" dirty="0" smtClean="0"/>
+          </a:p>
+          <a:p>
+            <a:endParaRPr lang="lv-LV" dirty="0"/>
+          </a:p>
+        </p:txBody>
+      </p:sp>
+      <p:pic>
+        <p:nvPicPr>
+          <p:cNvPr id="4" name="Picture 3"/>
+          <p:cNvPicPr>
+            <a:picLocks noChangeAspect="1"/>
+          </p:cNvPicPr>
+          <p:nvPr/>
+        </p:nvPicPr>
+        <p:blipFill>
+          <a:blip r:embed="rId2"/>
+          <a:stretch>
+            <a:fillRect/>
+          </a:stretch>
+        </p:blipFill>
+        <p:spPr>
+          <a:xfrm>
+            <a:off x="739684" y="1690688"/>
+            <a:ext cx="5152692" cy="987198"/>
+          </a:xfrm>
+          <a:prstGeom prst="rect">
+            <a:avLst/>
+          </a:prstGeom>
+        </p:spPr>
+      </p:pic>
+      <p:pic>
+        <p:nvPicPr>
+          <p:cNvPr id="5" name="Picture 4"/>
+          <p:cNvPicPr>
+            <a:picLocks noChangeAspect="1"/>
+          </p:cNvPicPr>
+          <p:nvPr/>
+        </p:nvPicPr>
+        <p:blipFill>
+          <a:blip r:embed="rId3"/>
+          <a:stretch>
+            <a:fillRect/>
+          </a:stretch>
+        </p:blipFill>
+        <p:spPr>
+          <a:xfrm>
+            <a:off x="312573" y="2677886"/>
+            <a:ext cx="4846016" cy="2066246"/>
+          </a:xfrm>
+          <a:prstGeom prst="rect">
+            <a:avLst/>
+          </a:prstGeom>
+        </p:spPr>
+      </p:pic>
+      <p:pic>
+        <p:nvPicPr>
+          <p:cNvPr id="6" name="Picture 5"/>
+          <p:cNvPicPr>
+            <a:picLocks noChangeAspect="1"/>
+          </p:cNvPicPr>
+          <p:nvPr/>
+        </p:nvPicPr>
+        <p:blipFill>
+          <a:blip r:embed="rId4"/>
+          <a:stretch>
+            <a:fillRect/>
+          </a:stretch>
+        </p:blipFill>
+        <p:spPr>
+          <a:xfrm>
+            <a:off x="4267638" y="2499314"/>
+            <a:ext cx="2670810" cy="4170212"/>
+          </a:xfrm>
+          <a:prstGeom prst="rect">
+            <a:avLst/>
+          </a:prstGeom>
+        </p:spPr>
+      </p:pic>
+    </p:spTree>
+    <p:extLst>
+      <p:ext uri="{BB962C8B-B14F-4D97-AF65-F5344CB8AC3E}">
+        <p14:creationId xmlns:p14="http://schemas.microsoft.com/office/powerpoint/2010/main" val="2326351084"/>
+      </p:ext>
+    </p:extLst>
+  </p:cSld>
+  <p:clrMapOvr>
+    <a:masterClrMapping/>
+  </p:clrMapOvr>
+</p:sld>
+</file>
+
 <file path=ppt/slides/slide2.xml><?xml version="1.0" encoding="utf-8"?>
 <p:sld xmlns:a="http://schemas.openxmlformats.org/drawingml/2006/main" xmlns:r="http://schemas.openxmlformats.org/officeDocument/2006/relationships" xmlns:p="http://schemas.openxmlformats.org/presentationml/2006/main">
   <p:cSld>
@@ -5179,6 +6295,65 @@
               <a:t>Computability</a:t>
             </a:r>
           </a:p>
+          <a:p>
+            <a:pPr marL="0" indent="0">
+              <a:buNone/>
+            </a:pPr>
+            <a:r>
+              <a:rPr lang="en-US" b="1" dirty="0" smtClean="0"/>
+              <a:t>TODO</a:t>
+            </a:r>
+          </a:p>
+          <a:p>
+            <a:r>
+              <a:rPr lang="en-US" dirty="0" smtClean="0"/>
+              <a:t>Real-valued bijections (examples) – logarithm, </a:t>
+            </a:r>
+            <a:r>
+              <a:rPr lang="en-US" dirty="0" err="1" smtClean="0"/>
+              <a:t>arctan</a:t>
+            </a:r>
+            <a:r>
+              <a:rPr lang="en-US" dirty="0" smtClean="0"/>
+              <a:t>, hyperbolas. </a:t>
+            </a:r>
+          </a:p>
+          <a:p>
+            <a:r>
+              <a:rPr lang="en-US" dirty="0" smtClean="0"/>
+              <a:t>Coding 2D into 1D (multiplexing/</a:t>
+            </a:r>
+            <a:r>
+              <a:rPr lang="en-US" dirty="0" err="1" smtClean="0"/>
+              <a:t>demultiplexing</a:t>
+            </a:r>
+            <a:r>
+              <a:rPr lang="en-US" dirty="0" smtClean="0"/>
+              <a:t>).</a:t>
+            </a:r>
+          </a:p>
+          <a:p>
+            <a:r>
+              <a:rPr lang="en-US" dirty="0" smtClean="0"/>
+              <a:t>Examples of </a:t>
+            </a:r>
+            <a:r>
+              <a:rPr lang="lv-LV" dirty="0" smtClean="0"/>
+              <a:t>Schröder–Bernstein</a:t>
+            </a:r>
+            <a:endParaRPr lang="en-US" dirty="0" smtClean="0"/>
+          </a:p>
+          <a:p>
+            <a:r>
+              <a:rPr lang="en-US" dirty="0" smtClean="0"/>
+              <a:t>Transforming </a:t>
+            </a:r>
+            <a:r>
+              <a:rPr lang="en-US" smtClean="0"/>
+              <a:t>strings into numbers</a:t>
+            </a:r>
+            <a:endParaRPr lang="en-US" dirty="0" smtClean="0"/>
+          </a:p>
         </p:txBody>
       </p:sp>
     </p:spTree>
@@ -5198,6 +6373,199 @@
       </p:par>
     </p:tnLst>
   </p:timing>
+</p:sld>
+</file>
+
+<file path=ppt/slides/slide20.xml><?xml version="1.0" encoding="utf-8"?>
+<p:sld xmlns:a="http://schemas.openxmlformats.org/drawingml/2006/main" xmlns:r="http://schemas.openxmlformats.org/officeDocument/2006/relationships" xmlns:p="http://schemas.openxmlformats.org/presentationml/2006/main">
+  <p:cSld>
+    <p:spTree>
+      <p:nvGrpSpPr>
+        <p:cNvPr id="1" name=""/>
+        <p:cNvGrpSpPr/>
+        <p:nvPr/>
+      </p:nvGrpSpPr>
+      <p:grpSpPr>
+        <a:xfrm>
+          <a:off x="0" y="0"/>
+          <a:ext cx="0" cy="0"/>
+          <a:chOff x="0" y="0"/>
+          <a:chExt cx="0" cy="0"/>
+        </a:xfrm>
+      </p:grpSpPr>
+      <p:sp>
+        <p:nvSpPr>
+          <p:cNvPr id="2" name="Title 1"/>
+          <p:cNvSpPr>
+            <a:spLocks noGrp="1"/>
+          </p:cNvSpPr>
+          <p:nvPr>
+            <p:ph type="title"/>
+          </p:nvPr>
+        </p:nvSpPr>
+        <p:spPr/>
+        <p:txBody>
+          <a:bodyPr/>
+          <a:lstStyle/>
+          <a:p>
+            <a:r>
+              <a:rPr lang="lv-LV" dirty="0" smtClean="0"/>
+              <a:t>Totally Recursive and Primitive Recursive Functions</a:t>
+            </a:r>
+            <a:endParaRPr lang="lv-LV" dirty="0"/>
+          </a:p>
+        </p:txBody>
+      </p:sp>
+      <p:sp>
+        <p:nvSpPr>
+          <p:cNvPr id="3" name="Content Placeholder 2"/>
+          <p:cNvSpPr>
+            <a:spLocks noGrp="1"/>
+          </p:cNvSpPr>
+          <p:nvPr>
+            <p:ph idx="1"/>
+          </p:nvPr>
+        </p:nvSpPr>
+        <p:spPr/>
+        <p:txBody>
+          <a:bodyPr/>
+          <a:lstStyle/>
+          <a:p>
+            <a:r>
+              <a:rPr lang="lv-LV" dirty="0" smtClean="0"/>
+              <a:t>At first it seems that ability to not halt (loop forever) is the cause of this paradox. </a:t>
+            </a:r>
+          </a:p>
+          <a:p>
+            <a:r>
+              <a:rPr lang="lv-LV" dirty="0" smtClean="0"/>
+              <a:t>What if we could limit our functions – avoid indefinite waiting (in "while loops"). And allow only programming constructs that are guaranteed to finish ("for loops"- if we do not change the loop variable is a typical example). </a:t>
+            </a:r>
+          </a:p>
+          <a:p>
+            <a:r>
+              <a:rPr lang="lv-LV" dirty="0" smtClean="0"/>
+              <a:t>You can still compute a lot of things. But now there is another problem – some things (that actually always halt – are nice and defined everywhere) you cannot express in this restricted language.</a:t>
+            </a:r>
+          </a:p>
+          <a:p>
+            <a:endParaRPr lang="lv-LV" dirty="0"/>
+          </a:p>
+        </p:txBody>
+      </p:sp>
+    </p:spTree>
+    <p:extLst>
+      <p:ext uri="{BB962C8B-B14F-4D97-AF65-F5344CB8AC3E}">
+        <p14:creationId xmlns:p14="http://schemas.microsoft.com/office/powerpoint/2010/main" val="452744936"/>
+      </p:ext>
+    </p:extLst>
+  </p:cSld>
+  <p:clrMapOvr>
+    <a:masterClrMapping/>
+  </p:clrMapOvr>
+</p:sld>
+</file>
+
+<file path=ppt/slides/slide21.xml><?xml version="1.0" encoding="utf-8"?>
+<p:sld xmlns:a="http://schemas.openxmlformats.org/drawingml/2006/main" xmlns:r="http://schemas.openxmlformats.org/officeDocument/2006/relationships" xmlns:p="http://schemas.openxmlformats.org/presentationml/2006/main">
+  <p:cSld>
+    <p:spTree>
+      <p:nvGrpSpPr>
+        <p:cNvPr id="1" name=""/>
+        <p:cNvGrpSpPr/>
+        <p:nvPr/>
+      </p:nvGrpSpPr>
+      <p:grpSpPr>
+        <a:xfrm>
+          <a:off x="0" y="0"/>
+          <a:ext cx="0" cy="0"/>
+          <a:chOff x="0" y="0"/>
+          <a:chExt cx="0" cy="0"/>
+        </a:xfrm>
+      </p:grpSpPr>
+      <p:sp>
+        <p:nvSpPr>
+          <p:cNvPr id="2" name="Title 1"/>
+          <p:cNvSpPr>
+            <a:spLocks noGrp="1"/>
+          </p:cNvSpPr>
+          <p:nvPr>
+            <p:ph type="title"/>
+          </p:nvPr>
+        </p:nvSpPr>
+        <p:spPr/>
+        <p:txBody>
+          <a:bodyPr/>
+          <a:lstStyle/>
+          <a:p>
+            <a:r>
+              <a:rPr lang="en-US" smtClean="0"/>
+              <a:t>Other Applications </a:t>
+            </a:r>
+            <a:r>
+              <a:rPr lang="en-US" dirty="0" smtClean="0"/>
+              <a:t>of </a:t>
+            </a:r>
+            <a:r>
+              <a:rPr lang="en-US" dirty="0" err="1" smtClean="0"/>
+              <a:t>Countability</a:t>
+            </a:r>
+            <a:r>
+              <a:rPr lang="en-US" dirty="0" smtClean="0"/>
+              <a:t> in Computer Science.</a:t>
+            </a:r>
+            <a:endParaRPr lang="lv-LV" dirty="0"/>
+          </a:p>
+        </p:txBody>
+      </p:sp>
+      <p:sp>
+        <p:nvSpPr>
+          <p:cNvPr id="3" name="Content Placeholder 2"/>
+          <p:cNvSpPr>
+            <a:spLocks noGrp="1"/>
+          </p:cNvSpPr>
+          <p:nvPr>
+            <p:ph idx="1"/>
+          </p:nvPr>
+        </p:nvSpPr>
+        <p:spPr/>
+        <p:txBody>
+          <a:bodyPr/>
+          <a:lstStyle/>
+          <a:p>
+            <a:r>
+              <a:rPr lang="lv-LV" dirty="0">
+                <a:hlinkClick r:id="rId2"/>
+              </a:rPr>
+              <a:t>https://fa.its.tudelft.nl/~</a:t>
+            </a:r>
+            <a:r>
+              <a:rPr lang="lv-LV" dirty="0" smtClean="0">
+                <a:hlinkClick r:id="rId2"/>
+              </a:rPr>
+              <a:t>hart/37/publications/talks/20190628-Winchester-handout.pdf</a:t>
+            </a:r>
+            <a:endParaRPr lang="lv-LV" dirty="0" smtClean="0"/>
+          </a:p>
+          <a:p>
+            <a:r>
+              <a:rPr lang="lv-LV" smtClean="0"/>
+              <a:t>Continuum Hypothesis and Machine Learning</a:t>
+            </a:r>
+            <a:endParaRPr lang="lv-LV"/>
+          </a:p>
+        </p:txBody>
+      </p:sp>
+    </p:spTree>
+    <p:extLst>
+      <p:ext uri="{BB962C8B-B14F-4D97-AF65-F5344CB8AC3E}">
+        <p14:creationId xmlns:p14="http://schemas.microsoft.com/office/powerpoint/2010/main" val="1606530697"/>
+      </p:ext>
+    </p:extLst>
+  </p:cSld>
+  <p:clrMapOvr>
+    <a:masterClrMapping/>
+  </p:clrMapOvr>
 </p:sld>
 </file>
 
@@ -6495,437 +7863,644 @@
           </a:p>
         </p:txBody>
       </p:sp>
-      <p:sp>
-        <p:nvSpPr>
-          <p:cNvPr id="3" name="Content Placeholder 2"/>
-          <p:cNvSpPr>
-            <a:spLocks noGrp="1"/>
-          </p:cNvSpPr>
-          <p:nvPr>
-            <p:ph idx="1"/>
-          </p:nvPr>
-        </p:nvSpPr>
-        <p:spPr/>
-        <p:txBody>
-          <a:bodyPr>
-            <a:normAutofit fontScale="92500"/>
-          </a:bodyPr>
-          <a:lstStyle/>
-          <a:p>
-            <a:pPr>
-              <a:buNone/>
-            </a:pPr>
-            <a:r>
-              <a:rPr lang="en-US" b="1" dirty="0" smtClean="0"/>
-              <a:t>  Example </a:t>
-            </a:r>
-            <a:r>
-              <a:rPr lang="en-US" b="1" dirty="0" smtClean="0">
-                <a:latin typeface="Cambria Math" pitchFamily="18" charset="0"/>
-                <a:ea typeface="Cambria Math" pitchFamily="18" charset="0"/>
-              </a:rPr>
-              <a:t>1</a:t>
-            </a:r>
-            <a:r>
-              <a:rPr lang="en-US" b="1" dirty="0" smtClean="0"/>
-              <a:t>:</a:t>
-            </a:r>
-            <a:r>
-              <a:rPr lang="en-US" dirty="0" smtClean="0"/>
-              <a:t> Show that the set of positive even integers </a:t>
-            </a:r>
-            <a:r>
-              <a:rPr lang="en-US" i="1" dirty="0" smtClean="0"/>
-              <a:t>E</a:t>
-            </a:r>
-            <a:r>
-              <a:rPr lang="en-US" dirty="0" smtClean="0"/>
-              <a:t> is countable set.</a:t>
-            </a:r>
-          </a:p>
-          <a:p>
-            <a:pPr>
-              <a:buNone/>
-            </a:pPr>
-            <a:r>
-              <a:rPr lang="en-US" b="1" dirty="0" smtClean="0"/>
-              <a:t>  Solution</a:t>
-            </a:r>
-            <a:r>
-              <a:rPr lang="en-US" dirty="0" smtClean="0"/>
-              <a:t>: Let </a:t>
-            </a:r>
-            <a:r>
-              <a:rPr lang="en-US" i="1" dirty="0" smtClean="0">
-                <a:ea typeface="Cambria Math" pitchFamily="18" charset="0"/>
-              </a:rPr>
-              <a:t>f</a:t>
-            </a:r>
-            <a:r>
-              <a:rPr lang="en-US" dirty="0" smtClean="0">
-                <a:latin typeface="Cambria Math" pitchFamily="18" charset="0"/>
-                <a:ea typeface="Cambria Math" pitchFamily="18" charset="0"/>
-              </a:rPr>
-              <a:t>(</a:t>
-            </a:r>
-            <a:r>
-              <a:rPr lang="en-US" i="1" dirty="0" smtClean="0">
-                <a:ea typeface="Cambria Math" pitchFamily="18" charset="0"/>
-              </a:rPr>
-              <a:t>x</a:t>
-            </a:r>
-            <a:r>
-              <a:rPr lang="en-US" dirty="0" smtClean="0">
-                <a:latin typeface="Cambria Math" pitchFamily="18" charset="0"/>
-                <a:ea typeface="Cambria Math" pitchFamily="18" charset="0"/>
-              </a:rPr>
-              <a:t>)</a:t>
-            </a:r>
-            <a:r>
-              <a:rPr lang="en-US" i="1" dirty="0" smtClean="0">
-                <a:latin typeface="Cambria Math" pitchFamily="18" charset="0"/>
-                <a:ea typeface="Cambria Math" pitchFamily="18" charset="0"/>
-              </a:rPr>
-              <a:t> </a:t>
-            </a:r>
-            <a:r>
-              <a:rPr lang="en-US" dirty="0" smtClean="0">
-                <a:latin typeface="Cambria Math" pitchFamily="18" charset="0"/>
-                <a:ea typeface="Cambria Math" pitchFamily="18" charset="0"/>
-              </a:rPr>
-              <a:t>=</a:t>
-            </a:r>
-            <a:r>
-              <a:rPr lang="en-US" i="1" dirty="0" smtClean="0">
-                <a:latin typeface="Cambria Math" pitchFamily="18" charset="0"/>
-                <a:ea typeface="Cambria Math" pitchFamily="18" charset="0"/>
-              </a:rPr>
-              <a:t> </a:t>
-            </a:r>
-            <a:r>
-              <a:rPr lang="en-US" dirty="0" smtClean="0">
-                <a:latin typeface="Cambria Math" pitchFamily="18" charset="0"/>
-                <a:ea typeface="Cambria Math" pitchFamily="18" charset="0"/>
-              </a:rPr>
-              <a:t>2</a:t>
-            </a:r>
-            <a:r>
-              <a:rPr lang="en-US" i="1" dirty="0" smtClean="0">
-                <a:ea typeface="Cambria Math" pitchFamily="18" charset="0"/>
-              </a:rPr>
-              <a:t>x</a:t>
-            </a:r>
-            <a:r>
-              <a:rPr lang="en-US" dirty="0" smtClean="0"/>
-              <a:t>. </a:t>
-            </a:r>
-          </a:p>
-          <a:p>
-            <a:pPr>
-              <a:buNone/>
-            </a:pPr>
-            <a:r>
-              <a:rPr lang="en-US" b="1" dirty="0" smtClean="0"/>
-              <a:t>                 </a:t>
-            </a:r>
-            <a:r>
-              <a:rPr lang="en-US" b="1" dirty="0" smtClean="0">
-                <a:latin typeface="Cambria Math" pitchFamily="18" charset="0"/>
-                <a:ea typeface="Cambria Math" pitchFamily="18" charset="0"/>
-              </a:rPr>
-              <a:t>1    2    3    4    5     6  …..</a:t>
-            </a:r>
-          </a:p>
-          <a:p>
-            <a:pPr>
-              <a:buNone/>
-            </a:pPr>
-            <a:endParaRPr lang="en-US" b="1" dirty="0" smtClean="0"/>
-          </a:p>
-          <a:p>
-            <a:pPr>
-              <a:buNone/>
-            </a:pPr>
-            <a:r>
-              <a:rPr lang="en-US" b="1" dirty="0" smtClean="0"/>
-              <a:t>                 </a:t>
-            </a:r>
-            <a:r>
-              <a:rPr lang="en-US" b="1" dirty="0" smtClean="0">
-                <a:latin typeface="Cambria Math" pitchFamily="18" charset="0"/>
-                <a:ea typeface="Cambria Math" pitchFamily="18" charset="0"/>
-              </a:rPr>
-              <a:t>2    4    6    8    10  12  ……</a:t>
-            </a:r>
-          </a:p>
-          <a:p>
-            <a:pPr>
-              <a:buNone/>
-            </a:pPr>
-            <a:r>
-              <a:rPr lang="en-US" dirty="0" smtClean="0"/>
-              <a:t>   Then </a:t>
-            </a:r>
-            <a:r>
-              <a:rPr lang="en-US" i="1" dirty="0" smtClean="0"/>
-              <a:t>f</a:t>
-            </a:r>
-            <a:r>
-              <a:rPr lang="en-US" dirty="0" smtClean="0"/>
-              <a:t> is a </a:t>
-            </a:r>
-            <a:r>
-              <a:rPr lang="en-US" dirty="0" err="1" smtClean="0"/>
-              <a:t>bijection</a:t>
-            </a:r>
-            <a:r>
-              <a:rPr lang="en-US" dirty="0" smtClean="0"/>
-              <a:t> from </a:t>
-            </a:r>
-            <a:r>
-              <a:rPr lang="en-US" b="1" dirty="0" smtClean="0"/>
-              <a:t>N</a:t>
-            </a:r>
-            <a:r>
-              <a:rPr lang="en-US" dirty="0" smtClean="0"/>
-              <a:t> to </a:t>
-            </a:r>
-            <a:r>
-              <a:rPr lang="en-US" i="1" dirty="0" smtClean="0"/>
-              <a:t>E</a:t>
-            </a:r>
-            <a:r>
-              <a:rPr lang="en-US" dirty="0" smtClean="0"/>
-              <a:t> since </a:t>
-            </a:r>
-            <a:r>
-              <a:rPr lang="en-US" i="1" dirty="0" smtClean="0"/>
-              <a:t>f</a:t>
-            </a:r>
-            <a:r>
-              <a:rPr lang="en-US" dirty="0" smtClean="0"/>
-              <a:t> is both one-to-one and onto.  To show that it is one-to-one, suppose that     </a:t>
-            </a:r>
-            <a:r>
-              <a:rPr lang="en-US" i="1" dirty="0" smtClean="0">
-                <a:ea typeface="Cambria Math" pitchFamily="18" charset="0"/>
-              </a:rPr>
-              <a:t>f</a:t>
-            </a:r>
-            <a:r>
-              <a:rPr lang="en-US" dirty="0" smtClean="0">
-                <a:latin typeface="Cambria Math" pitchFamily="18" charset="0"/>
-                <a:ea typeface="Cambria Math" pitchFamily="18" charset="0"/>
-              </a:rPr>
-              <a:t>(</a:t>
-            </a:r>
-            <a:r>
-              <a:rPr lang="en-US" i="1" dirty="0" smtClean="0">
-                <a:latin typeface="Cambria Math" pitchFamily="18" charset="0"/>
-                <a:ea typeface="Cambria Math" pitchFamily="18" charset="0"/>
-              </a:rPr>
-              <a:t>n</a:t>
-            </a:r>
-            <a:r>
-              <a:rPr lang="en-US" dirty="0" smtClean="0">
-                <a:latin typeface="Cambria Math" pitchFamily="18" charset="0"/>
-                <a:ea typeface="Cambria Math" pitchFamily="18" charset="0"/>
-              </a:rPr>
-              <a:t>)</a:t>
-            </a:r>
-            <a:r>
-              <a:rPr lang="en-US" i="1" dirty="0" smtClean="0">
-                <a:latin typeface="Cambria Math" pitchFamily="18" charset="0"/>
-                <a:ea typeface="Cambria Math" pitchFamily="18" charset="0"/>
-              </a:rPr>
-              <a:t> = </a:t>
-            </a:r>
-            <a:r>
-              <a:rPr lang="en-US" i="1" dirty="0" smtClean="0">
-                <a:ea typeface="Cambria Math" pitchFamily="18" charset="0"/>
-              </a:rPr>
-              <a:t>f</a:t>
-            </a:r>
-            <a:r>
-              <a:rPr lang="en-US" dirty="0" smtClean="0">
-                <a:latin typeface="Cambria Math" pitchFamily="18" charset="0"/>
-                <a:ea typeface="Cambria Math" pitchFamily="18" charset="0"/>
-              </a:rPr>
-              <a:t>(</a:t>
-            </a:r>
-            <a:r>
-              <a:rPr lang="en-US" i="1" dirty="0" smtClean="0">
-                <a:latin typeface="Cambria Math" pitchFamily="18" charset="0"/>
-                <a:ea typeface="Cambria Math" pitchFamily="18" charset="0"/>
-              </a:rPr>
-              <a:t>m</a:t>
-            </a:r>
-            <a:r>
-              <a:rPr lang="en-US" dirty="0" smtClean="0">
-                <a:latin typeface="Cambria Math" pitchFamily="18" charset="0"/>
-                <a:ea typeface="Cambria Math" pitchFamily="18" charset="0"/>
-              </a:rPr>
-              <a:t>).   </a:t>
-            </a:r>
-            <a:r>
-              <a:rPr lang="en-US" dirty="0" smtClean="0"/>
-              <a:t>Then </a:t>
-            </a:r>
-            <a:r>
-              <a:rPr lang="en-US" dirty="0" smtClean="0">
-                <a:latin typeface="Cambria Math" pitchFamily="18" charset="0"/>
-                <a:ea typeface="Cambria Math" pitchFamily="18" charset="0"/>
-              </a:rPr>
-              <a:t>2</a:t>
-            </a:r>
-            <a:r>
-              <a:rPr lang="en-US" i="1" dirty="0" smtClean="0">
-                <a:latin typeface="Cambria Math" pitchFamily="18" charset="0"/>
-                <a:ea typeface="Cambria Math" pitchFamily="18" charset="0"/>
-              </a:rPr>
-              <a:t>n  </a:t>
-            </a:r>
-            <a:r>
-              <a:rPr lang="en-US" dirty="0" smtClean="0">
-                <a:latin typeface="Cambria Math" pitchFamily="18" charset="0"/>
-                <a:ea typeface="Cambria Math" pitchFamily="18" charset="0"/>
-              </a:rPr>
-              <a:t>=</a:t>
-            </a:r>
-            <a:r>
-              <a:rPr lang="en-US" i="1" dirty="0" smtClean="0">
-                <a:latin typeface="Cambria Math" pitchFamily="18" charset="0"/>
-                <a:ea typeface="Cambria Math" pitchFamily="18" charset="0"/>
-              </a:rPr>
-              <a:t> </a:t>
-            </a:r>
-            <a:r>
-              <a:rPr lang="en-US" dirty="0" smtClean="0">
-                <a:latin typeface="Cambria Math" pitchFamily="18" charset="0"/>
-                <a:ea typeface="Cambria Math" pitchFamily="18" charset="0"/>
-              </a:rPr>
-              <a:t>2</a:t>
-            </a:r>
-            <a:r>
-              <a:rPr lang="en-US" i="1" dirty="0" smtClean="0">
-                <a:latin typeface="Cambria Math" pitchFamily="18" charset="0"/>
-                <a:ea typeface="Cambria Math" pitchFamily="18" charset="0"/>
-              </a:rPr>
-              <a:t>m</a:t>
-            </a:r>
-            <a:r>
-              <a:rPr lang="en-US" dirty="0" smtClean="0"/>
-              <a:t>, and so </a:t>
-            </a:r>
-            <a:r>
-              <a:rPr lang="en-US" i="1" dirty="0" smtClean="0">
-                <a:latin typeface="Cambria Math" pitchFamily="18" charset="0"/>
-                <a:ea typeface="Cambria Math" pitchFamily="18" charset="0"/>
-              </a:rPr>
-              <a:t>n </a:t>
-            </a:r>
-            <a:r>
-              <a:rPr lang="en-US" dirty="0" smtClean="0">
-                <a:latin typeface="Cambria Math" pitchFamily="18" charset="0"/>
-                <a:ea typeface="Cambria Math" pitchFamily="18" charset="0"/>
-              </a:rPr>
-              <a:t>=</a:t>
-            </a:r>
-            <a:r>
-              <a:rPr lang="en-US" i="1" dirty="0" smtClean="0">
-                <a:latin typeface="Cambria Math" pitchFamily="18" charset="0"/>
-                <a:ea typeface="Cambria Math" pitchFamily="18" charset="0"/>
-              </a:rPr>
-              <a:t> m</a:t>
-            </a:r>
-            <a:r>
-              <a:rPr lang="en-US" dirty="0" smtClean="0"/>
-              <a:t>. To see that it is onto, suppose that </a:t>
-            </a:r>
-            <a:r>
-              <a:rPr lang="en-US" i="1" dirty="0" smtClean="0"/>
-              <a:t>t</a:t>
-            </a:r>
-            <a:r>
-              <a:rPr lang="en-US" dirty="0" smtClean="0"/>
-              <a:t> is an even positive integer. Then            </a:t>
-            </a:r>
-            <a:r>
-              <a:rPr lang="en-US" i="1" dirty="0" smtClean="0">
-                <a:ea typeface="Cambria Math" pitchFamily="18" charset="0"/>
-              </a:rPr>
-              <a:t>t = </a:t>
-            </a:r>
-            <a:r>
-              <a:rPr lang="en-US" dirty="0" smtClean="0">
-                <a:latin typeface="Cambria Math" pitchFamily="18" charset="0"/>
-                <a:ea typeface="Cambria Math" pitchFamily="18" charset="0"/>
-              </a:rPr>
-              <a:t>2</a:t>
-            </a:r>
-            <a:r>
-              <a:rPr lang="en-US" i="1" dirty="0" smtClean="0">
-                <a:ea typeface="Cambria Math" pitchFamily="18" charset="0"/>
-              </a:rPr>
-              <a:t>k </a:t>
-            </a:r>
-            <a:r>
-              <a:rPr lang="en-US" dirty="0" smtClean="0"/>
-              <a:t>for some positive integer </a:t>
-            </a:r>
-            <a:r>
-              <a:rPr lang="en-US" i="1" dirty="0" smtClean="0">
-                <a:ea typeface="Cambria Math" pitchFamily="18" charset="0"/>
-              </a:rPr>
-              <a:t>k</a:t>
-            </a:r>
-            <a:r>
-              <a:rPr lang="en-US" dirty="0" smtClean="0"/>
-              <a:t> and </a:t>
-            </a:r>
-            <a:r>
-              <a:rPr lang="en-US" i="1" dirty="0" smtClean="0">
-                <a:ea typeface="Cambria Math" pitchFamily="18" charset="0"/>
-              </a:rPr>
-              <a:t>f</a:t>
-            </a:r>
-            <a:r>
-              <a:rPr lang="en-US" dirty="0" smtClean="0">
-                <a:ea typeface="Cambria Math" pitchFamily="18" charset="0"/>
-              </a:rPr>
-              <a:t>(</a:t>
-            </a:r>
-            <a:r>
-              <a:rPr lang="en-US" i="1" dirty="0" smtClean="0">
-                <a:ea typeface="Cambria Math" pitchFamily="18" charset="0"/>
-              </a:rPr>
-              <a:t>k</a:t>
-            </a:r>
-            <a:r>
-              <a:rPr lang="en-US" dirty="0" smtClean="0">
-                <a:ea typeface="Cambria Math" pitchFamily="18" charset="0"/>
-              </a:rPr>
-              <a:t>) = </a:t>
-            </a:r>
-            <a:r>
-              <a:rPr lang="en-US" i="1" dirty="0" smtClean="0">
-                <a:ea typeface="Cambria Math" pitchFamily="18" charset="0"/>
-              </a:rPr>
-              <a:t>t</a:t>
-            </a:r>
-            <a:r>
-              <a:rPr lang="en-US" dirty="0" smtClean="0"/>
-              <a:t>. </a:t>
-            </a:r>
-          </a:p>
-          <a:p>
-            <a:pPr>
-              <a:buNone/>
-            </a:pPr>
-            <a:endParaRPr lang="en-US" b="1" dirty="0"/>
-          </a:p>
-        </p:txBody>
-      </p:sp>
+      <mc:AlternateContent xmlns:mc="http://schemas.openxmlformats.org/markup-compatibility/2006" xmlns:a14="http://schemas.microsoft.com/office/drawing/2010/main">
+        <mc:Choice Requires="a14">
+          <p:sp>
+            <p:nvSpPr>
+              <p:cNvPr id="3" name="Content Placeholder 2"/>
+              <p:cNvSpPr>
+                <a:spLocks noGrp="1"/>
+              </p:cNvSpPr>
+              <p:nvPr>
+                <p:ph idx="1"/>
+              </p:nvPr>
+            </p:nvSpPr>
+            <p:spPr/>
+            <p:txBody>
+              <a:bodyPr>
+                <a:normAutofit fontScale="92500"/>
+              </a:bodyPr>
+              <a:lstStyle/>
+              <a:p>
+                <a:pPr>
+                  <a:buNone/>
+                </a:pPr>
+                <a:r>
+                  <a:rPr lang="en-US" b="1" dirty="0" smtClean="0"/>
+                  <a:t>  Example </a:t>
+                </a:r>
+                <a:r>
+                  <a:rPr lang="en-US" b="1" dirty="0" smtClean="0">
+                    <a:latin typeface="Cambria Math" pitchFamily="18" charset="0"/>
+                    <a:ea typeface="Cambria Math" pitchFamily="18" charset="0"/>
+                  </a:rPr>
+                  <a:t>1</a:t>
+                </a:r>
+                <a:r>
+                  <a:rPr lang="en-US" b="1" dirty="0" smtClean="0"/>
+                  <a:t>:</a:t>
+                </a:r>
+                <a:r>
+                  <a:rPr lang="en-US" dirty="0" smtClean="0"/>
+                  <a:t> Show that the set of positive even integers </a:t>
+                </a:r>
+                <a:r>
+                  <a:rPr lang="en-US" i="1" dirty="0" smtClean="0"/>
+                  <a:t>E</a:t>
+                </a:r>
+                <a:r>
+                  <a:rPr lang="en-US" dirty="0" smtClean="0"/>
+                  <a:t> is countable set.</a:t>
+                </a:r>
+              </a:p>
+              <a:p>
+                <a:pPr>
+                  <a:buNone/>
+                </a:pPr>
+                <a:r>
+                  <a:rPr lang="en-US" b="1" dirty="0" smtClean="0"/>
+                  <a:t>  Solution</a:t>
+                </a:r>
+                <a:r>
+                  <a:rPr lang="en-US" dirty="0" smtClean="0"/>
+                  <a:t>: Let </a:t>
+                </a:r>
+                <a:r>
+                  <a:rPr lang="en-US" i="1" dirty="0" smtClean="0">
+                    <a:ea typeface="Cambria Math" pitchFamily="18" charset="0"/>
+                  </a:rPr>
+                  <a:t>f</a:t>
+                </a:r>
+                <a:r>
+                  <a:rPr lang="en-US" dirty="0" smtClean="0">
+                    <a:latin typeface="Cambria Math" pitchFamily="18" charset="0"/>
+                    <a:ea typeface="Cambria Math" pitchFamily="18" charset="0"/>
+                  </a:rPr>
+                  <a:t>(</a:t>
+                </a:r>
+                <a:r>
+                  <a:rPr lang="en-US" i="1" dirty="0" smtClean="0">
+                    <a:ea typeface="Cambria Math" pitchFamily="18" charset="0"/>
+                  </a:rPr>
+                  <a:t>x</a:t>
+                </a:r>
+                <a:r>
+                  <a:rPr lang="en-US" dirty="0" smtClean="0">
+                    <a:latin typeface="Cambria Math" pitchFamily="18" charset="0"/>
+                    <a:ea typeface="Cambria Math" pitchFamily="18" charset="0"/>
+                  </a:rPr>
+                  <a:t>)</a:t>
+                </a:r>
+                <a:r>
+                  <a:rPr lang="en-US" i="1" dirty="0" smtClean="0">
+                    <a:latin typeface="Cambria Math" pitchFamily="18" charset="0"/>
+                    <a:ea typeface="Cambria Math" pitchFamily="18" charset="0"/>
+                  </a:rPr>
+                  <a:t> </a:t>
+                </a:r>
+                <a:r>
+                  <a:rPr lang="en-US" dirty="0" smtClean="0">
+                    <a:latin typeface="Cambria Math" pitchFamily="18" charset="0"/>
+                    <a:ea typeface="Cambria Math" pitchFamily="18" charset="0"/>
+                  </a:rPr>
+                  <a:t>=</a:t>
+                </a:r>
+                <a:r>
+                  <a:rPr lang="en-US" i="1" dirty="0" smtClean="0">
+                    <a:latin typeface="Cambria Math" pitchFamily="18" charset="0"/>
+                    <a:ea typeface="Cambria Math" pitchFamily="18" charset="0"/>
+                  </a:rPr>
+                  <a:t> </a:t>
+                </a:r>
+                <a:r>
+                  <a:rPr lang="en-US" dirty="0" smtClean="0">
+                    <a:latin typeface="Cambria Math" pitchFamily="18" charset="0"/>
+                    <a:ea typeface="Cambria Math" pitchFamily="18" charset="0"/>
+                  </a:rPr>
+                  <a:t>2</a:t>
+                </a:r>
+                <a:r>
+                  <a:rPr lang="en-US" i="1" dirty="0" smtClean="0">
+                    <a:ea typeface="Cambria Math" pitchFamily="18" charset="0"/>
+                  </a:rPr>
+                  <a:t>x</a:t>
+                </a:r>
+                <a:r>
+                  <a:rPr lang="en-US" dirty="0" smtClean="0"/>
+                  <a:t>. </a:t>
+                </a:r>
+              </a:p>
+              <a:p>
+                <a:pPr>
+                  <a:buNone/>
+                </a:pPr>
+                <a:r>
+                  <a:rPr lang="en-US" b="1" dirty="0" smtClean="0"/>
+                  <a:t>                 </a:t>
+                </a:r>
+                <a14:m>
+                  <m:oMath xmlns:m="http://schemas.openxmlformats.org/officeDocument/2006/math">
+                    <m:r>
+                      <a:rPr lang="en-US" b="1" i="1" dirty="0" smtClean="0">
+                        <a:latin typeface="Cambria Math" panose="02040503050406030204" pitchFamily="18" charset="0"/>
+                        <a:ea typeface="Cambria Math" pitchFamily="18" charset="0"/>
+                      </a:rPr>
+                      <m:t>𝟏</m:t>
+                    </m:r>
+                    <m:r>
+                      <a:rPr lang="en-US" b="1" i="1" dirty="0" smtClean="0">
+                        <a:latin typeface="Cambria Math" panose="02040503050406030204" pitchFamily="18" charset="0"/>
+                        <a:ea typeface="Cambria Math" pitchFamily="18" charset="0"/>
+                      </a:rPr>
+                      <m:t>    </m:t>
+                    </m:r>
+                    <m:r>
+                      <a:rPr lang="en-US" b="1" i="1" dirty="0" smtClean="0">
+                        <a:latin typeface="Cambria Math" panose="02040503050406030204" pitchFamily="18" charset="0"/>
+                        <a:ea typeface="Cambria Math" pitchFamily="18" charset="0"/>
+                      </a:rPr>
+                      <m:t>𝟐</m:t>
+                    </m:r>
+                    <m:r>
+                      <a:rPr lang="en-US" b="1" i="1" dirty="0" smtClean="0">
+                        <a:latin typeface="Cambria Math" panose="02040503050406030204" pitchFamily="18" charset="0"/>
+                        <a:ea typeface="Cambria Math" pitchFamily="18" charset="0"/>
+                      </a:rPr>
+                      <m:t>    </m:t>
+                    </m:r>
+                    <m:r>
+                      <a:rPr lang="en-US" b="1" i="1" dirty="0" smtClean="0">
+                        <a:latin typeface="Cambria Math" panose="02040503050406030204" pitchFamily="18" charset="0"/>
+                        <a:ea typeface="Cambria Math" pitchFamily="18" charset="0"/>
+                      </a:rPr>
+                      <m:t>𝟑</m:t>
+                    </m:r>
+                    <m:r>
+                      <a:rPr lang="en-US" b="1" i="1" dirty="0" smtClean="0">
+                        <a:latin typeface="Cambria Math" panose="02040503050406030204" pitchFamily="18" charset="0"/>
+                        <a:ea typeface="Cambria Math" pitchFamily="18" charset="0"/>
+                      </a:rPr>
+                      <m:t>   </m:t>
+                    </m:r>
+                    <m:r>
+                      <a:rPr lang="en-US" b="1" i="1" dirty="0" smtClean="0">
+                        <a:latin typeface="Cambria Math" panose="02040503050406030204" pitchFamily="18" charset="0"/>
+                        <a:ea typeface="Cambria Math" pitchFamily="18" charset="0"/>
+                      </a:rPr>
+                      <m:t>𝟒</m:t>
+                    </m:r>
+                    <m:r>
+                      <a:rPr lang="en-US" b="1" i="1" dirty="0" smtClean="0">
+                        <a:latin typeface="Cambria Math" panose="02040503050406030204" pitchFamily="18" charset="0"/>
+                        <a:ea typeface="Cambria Math" pitchFamily="18" charset="0"/>
+                      </a:rPr>
+                      <m:t>   </m:t>
+                    </m:r>
+                    <m:r>
+                      <a:rPr lang="en-US" b="1" i="1" dirty="0" smtClean="0">
+                        <a:latin typeface="Cambria Math" panose="02040503050406030204" pitchFamily="18" charset="0"/>
+                        <a:ea typeface="Cambria Math" pitchFamily="18" charset="0"/>
+                      </a:rPr>
+                      <m:t>𝟓</m:t>
+                    </m:r>
+                    <m:r>
+                      <a:rPr lang="en-US" b="1" i="1" dirty="0" smtClean="0">
+                        <a:latin typeface="Cambria Math" panose="02040503050406030204" pitchFamily="18" charset="0"/>
+                        <a:ea typeface="Cambria Math" pitchFamily="18" charset="0"/>
+                      </a:rPr>
+                      <m:t>    </m:t>
+                    </m:r>
+                    <m:r>
+                      <a:rPr lang="en-US" b="1" i="1" dirty="0" smtClean="0">
+                        <a:latin typeface="Cambria Math" panose="02040503050406030204" pitchFamily="18" charset="0"/>
+                        <a:ea typeface="Cambria Math" pitchFamily="18" charset="0"/>
+                      </a:rPr>
+                      <m:t>𝟔</m:t>
+                    </m:r>
+                    <m:r>
+                      <a:rPr lang="en-US" b="1" i="1" dirty="0" smtClean="0">
+                        <a:latin typeface="Cambria Math" panose="02040503050406030204" pitchFamily="18" charset="0"/>
+                        <a:ea typeface="Cambria Math" pitchFamily="18" charset="0"/>
+                      </a:rPr>
+                      <m:t>  …..</m:t>
+                    </m:r>
+                  </m:oMath>
+                </a14:m>
+                <a:endParaRPr lang="en-US" b="1" dirty="0" smtClean="0">
+                  <a:latin typeface="Cambria Math" pitchFamily="18" charset="0"/>
+                  <a:ea typeface="Cambria Math" pitchFamily="18" charset="0"/>
+                </a:endParaRPr>
+              </a:p>
+              <a:p>
+                <a:pPr>
+                  <a:buNone/>
+                </a:pPr>
+                <a:endParaRPr lang="en-US" b="1" dirty="0" smtClean="0"/>
+              </a:p>
+              <a:p>
+                <a:pPr>
+                  <a:buNone/>
+                </a:pPr>
+                <a:r>
+                  <a:rPr lang="en-US" b="1" dirty="0" smtClean="0"/>
+                  <a:t>                 </a:t>
+                </a:r>
+                <a14:m>
+                  <m:oMath xmlns:m="http://schemas.openxmlformats.org/officeDocument/2006/math">
+                    <m:r>
+                      <a:rPr lang="en-US" b="1" i="1" dirty="0" smtClean="0">
+                        <a:latin typeface="Cambria Math" panose="02040503050406030204" pitchFamily="18" charset="0"/>
+                        <a:ea typeface="Cambria Math" pitchFamily="18" charset="0"/>
+                      </a:rPr>
+                      <m:t>𝟐</m:t>
+                    </m:r>
+                    <m:r>
+                      <a:rPr lang="en-US" b="1" i="1" dirty="0" smtClean="0">
+                        <a:latin typeface="Cambria Math" panose="02040503050406030204" pitchFamily="18" charset="0"/>
+                        <a:ea typeface="Cambria Math" pitchFamily="18" charset="0"/>
+                      </a:rPr>
+                      <m:t>    </m:t>
+                    </m:r>
+                    <m:r>
+                      <a:rPr lang="en-US" b="1" i="1" dirty="0" smtClean="0">
+                        <a:latin typeface="Cambria Math" panose="02040503050406030204" pitchFamily="18" charset="0"/>
+                        <a:ea typeface="Cambria Math" pitchFamily="18" charset="0"/>
+                      </a:rPr>
+                      <m:t>𝟒</m:t>
+                    </m:r>
+                    <m:r>
+                      <a:rPr lang="en-US" b="1" i="1" dirty="0" smtClean="0">
+                        <a:latin typeface="Cambria Math" panose="02040503050406030204" pitchFamily="18" charset="0"/>
+                        <a:ea typeface="Cambria Math" pitchFamily="18" charset="0"/>
+                      </a:rPr>
+                      <m:t>    </m:t>
+                    </m:r>
+                    <m:r>
+                      <a:rPr lang="en-US" b="1" i="1" dirty="0" smtClean="0">
+                        <a:latin typeface="Cambria Math" panose="02040503050406030204" pitchFamily="18" charset="0"/>
+                        <a:ea typeface="Cambria Math" pitchFamily="18" charset="0"/>
+                      </a:rPr>
+                      <m:t>𝟔</m:t>
+                    </m:r>
+                    <m:r>
+                      <a:rPr lang="en-US" b="1" i="1" dirty="0" smtClean="0">
+                        <a:latin typeface="Cambria Math" panose="02040503050406030204" pitchFamily="18" charset="0"/>
+                        <a:ea typeface="Cambria Math" pitchFamily="18" charset="0"/>
+                      </a:rPr>
+                      <m:t>   </m:t>
+                    </m:r>
+                    <m:r>
+                      <a:rPr lang="en-US" b="1" i="1" dirty="0" smtClean="0">
+                        <a:latin typeface="Cambria Math" panose="02040503050406030204" pitchFamily="18" charset="0"/>
+                        <a:ea typeface="Cambria Math" pitchFamily="18" charset="0"/>
+                      </a:rPr>
+                      <m:t>𝟖</m:t>
+                    </m:r>
+                    <m:r>
+                      <a:rPr lang="en-US" b="1" i="1" dirty="0" smtClean="0">
+                        <a:latin typeface="Cambria Math" panose="02040503050406030204" pitchFamily="18" charset="0"/>
+                        <a:ea typeface="Cambria Math" pitchFamily="18" charset="0"/>
+                      </a:rPr>
+                      <m:t>  </m:t>
+                    </m:r>
+                    <m:r>
+                      <a:rPr lang="en-US" b="1" i="1" dirty="0" smtClean="0">
+                        <a:latin typeface="Cambria Math" panose="02040503050406030204" pitchFamily="18" charset="0"/>
+                        <a:ea typeface="Cambria Math" pitchFamily="18" charset="0"/>
+                      </a:rPr>
+                      <m:t>𝟏𝟎</m:t>
+                    </m:r>
+                    <m:r>
+                      <a:rPr lang="en-US" b="1" i="1" dirty="0" smtClean="0">
+                        <a:latin typeface="Cambria Math" panose="02040503050406030204" pitchFamily="18" charset="0"/>
+                        <a:ea typeface="Cambria Math" pitchFamily="18" charset="0"/>
+                      </a:rPr>
+                      <m:t>  </m:t>
+                    </m:r>
+                    <m:r>
+                      <a:rPr lang="en-US" b="1" i="1" dirty="0" smtClean="0">
+                        <a:latin typeface="Cambria Math" panose="02040503050406030204" pitchFamily="18" charset="0"/>
+                        <a:ea typeface="Cambria Math" pitchFamily="18" charset="0"/>
+                      </a:rPr>
+                      <m:t>𝟏𝟐</m:t>
+                    </m:r>
+                    <m:r>
+                      <a:rPr lang="en-US" b="1" i="1" dirty="0" smtClean="0">
+                        <a:latin typeface="Cambria Math" panose="02040503050406030204" pitchFamily="18" charset="0"/>
+                        <a:ea typeface="Cambria Math" pitchFamily="18" charset="0"/>
+                      </a:rPr>
+                      <m:t>  ……</m:t>
+                    </m:r>
+                  </m:oMath>
+                </a14:m>
+                <a:endParaRPr lang="en-US" b="1" dirty="0" smtClean="0">
+                  <a:latin typeface="Cambria Math" pitchFamily="18" charset="0"/>
+                  <a:ea typeface="Cambria Math" pitchFamily="18" charset="0"/>
+                </a:endParaRPr>
+              </a:p>
+              <a:p>
+                <a:pPr>
+                  <a:buNone/>
+                </a:pPr>
+                <a:r>
+                  <a:rPr lang="en-US" dirty="0" smtClean="0"/>
+                  <a:t>   Then </a:t>
+                </a:r>
+                <a:r>
+                  <a:rPr lang="en-US" i="1" dirty="0" smtClean="0"/>
+                  <a:t>f</a:t>
+                </a:r>
+                <a:r>
+                  <a:rPr lang="en-US" dirty="0" smtClean="0"/>
+                  <a:t> is a </a:t>
+                </a:r>
+                <a:r>
+                  <a:rPr lang="en-US" dirty="0" err="1" smtClean="0"/>
+                  <a:t>bijection</a:t>
+                </a:r>
+                <a:r>
+                  <a:rPr lang="en-US" dirty="0" smtClean="0"/>
+                  <a:t> from </a:t>
+                </a:r>
+                <a:r>
+                  <a:rPr lang="en-US" b="1" dirty="0" smtClean="0"/>
+                  <a:t>N</a:t>
+                </a:r>
+                <a:r>
+                  <a:rPr lang="en-US" dirty="0" smtClean="0"/>
+                  <a:t> to </a:t>
+                </a:r>
+                <a:r>
+                  <a:rPr lang="en-US" i="1" dirty="0" smtClean="0"/>
+                  <a:t>E</a:t>
+                </a:r>
+                <a:r>
+                  <a:rPr lang="en-US" dirty="0" smtClean="0"/>
+                  <a:t> since </a:t>
+                </a:r>
+                <a:r>
+                  <a:rPr lang="en-US" i="1" dirty="0" smtClean="0"/>
+                  <a:t>f</a:t>
+                </a:r>
+                <a:r>
+                  <a:rPr lang="en-US" dirty="0" smtClean="0"/>
+                  <a:t> is both one-to-one and onto.  To show that it is one-to-one, suppose that     </a:t>
+                </a:r>
+                <a:r>
+                  <a:rPr lang="en-US" i="1" dirty="0" smtClean="0">
+                    <a:ea typeface="Cambria Math" pitchFamily="18" charset="0"/>
+                  </a:rPr>
+                  <a:t>f</a:t>
+                </a:r>
+                <a:r>
+                  <a:rPr lang="en-US" dirty="0" smtClean="0">
+                    <a:latin typeface="Cambria Math" pitchFamily="18" charset="0"/>
+                    <a:ea typeface="Cambria Math" pitchFamily="18" charset="0"/>
+                  </a:rPr>
+                  <a:t>(</a:t>
+                </a:r>
+                <a:r>
+                  <a:rPr lang="en-US" i="1" dirty="0" smtClean="0">
+                    <a:latin typeface="Cambria Math" pitchFamily="18" charset="0"/>
+                    <a:ea typeface="Cambria Math" pitchFamily="18" charset="0"/>
+                  </a:rPr>
+                  <a:t>n</a:t>
+                </a:r>
+                <a:r>
+                  <a:rPr lang="en-US" dirty="0" smtClean="0">
+                    <a:latin typeface="Cambria Math" pitchFamily="18" charset="0"/>
+                    <a:ea typeface="Cambria Math" pitchFamily="18" charset="0"/>
+                  </a:rPr>
+                  <a:t>)</a:t>
+                </a:r>
+                <a:r>
+                  <a:rPr lang="en-US" i="1" dirty="0" smtClean="0">
+                    <a:latin typeface="Cambria Math" pitchFamily="18" charset="0"/>
+                    <a:ea typeface="Cambria Math" pitchFamily="18" charset="0"/>
+                  </a:rPr>
+                  <a:t> = </a:t>
+                </a:r>
+                <a:r>
+                  <a:rPr lang="en-US" i="1" dirty="0" smtClean="0">
+                    <a:ea typeface="Cambria Math" pitchFamily="18" charset="0"/>
+                  </a:rPr>
+                  <a:t>f</a:t>
+                </a:r>
+                <a:r>
+                  <a:rPr lang="en-US" dirty="0" smtClean="0">
+                    <a:latin typeface="Cambria Math" pitchFamily="18" charset="0"/>
+                    <a:ea typeface="Cambria Math" pitchFamily="18" charset="0"/>
+                  </a:rPr>
+                  <a:t>(</a:t>
+                </a:r>
+                <a:r>
+                  <a:rPr lang="en-US" i="1" dirty="0" smtClean="0">
+                    <a:latin typeface="Cambria Math" pitchFamily="18" charset="0"/>
+                    <a:ea typeface="Cambria Math" pitchFamily="18" charset="0"/>
+                  </a:rPr>
+                  <a:t>m</a:t>
+                </a:r>
+                <a:r>
+                  <a:rPr lang="en-US" dirty="0" smtClean="0">
+                    <a:latin typeface="Cambria Math" pitchFamily="18" charset="0"/>
+                    <a:ea typeface="Cambria Math" pitchFamily="18" charset="0"/>
+                  </a:rPr>
+                  <a:t>).   </a:t>
+                </a:r>
+                <a:r>
+                  <a:rPr lang="en-US" dirty="0" smtClean="0"/>
+                  <a:t>Then </a:t>
+                </a:r>
+                <a:r>
+                  <a:rPr lang="en-US" dirty="0" smtClean="0">
+                    <a:latin typeface="Cambria Math" pitchFamily="18" charset="0"/>
+                    <a:ea typeface="Cambria Math" pitchFamily="18" charset="0"/>
+                  </a:rPr>
+                  <a:t>2</a:t>
+                </a:r>
+                <a:r>
+                  <a:rPr lang="en-US" i="1" dirty="0" smtClean="0">
+                    <a:latin typeface="Cambria Math" pitchFamily="18" charset="0"/>
+                    <a:ea typeface="Cambria Math" pitchFamily="18" charset="0"/>
+                  </a:rPr>
+                  <a:t>n  </a:t>
+                </a:r>
+                <a:r>
+                  <a:rPr lang="en-US" dirty="0" smtClean="0">
+                    <a:latin typeface="Cambria Math" pitchFamily="18" charset="0"/>
+                    <a:ea typeface="Cambria Math" pitchFamily="18" charset="0"/>
+                  </a:rPr>
+                  <a:t>=</a:t>
+                </a:r>
+                <a:r>
+                  <a:rPr lang="en-US" i="1" dirty="0" smtClean="0">
+                    <a:latin typeface="Cambria Math" pitchFamily="18" charset="0"/>
+                    <a:ea typeface="Cambria Math" pitchFamily="18" charset="0"/>
+                  </a:rPr>
+                  <a:t> </a:t>
+                </a:r>
+                <a:r>
+                  <a:rPr lang="en-US" dirty="0" smtClean="0">
+                    <a:latin typeface="Cambria Math" pitchFamily="18" charset="0"/>
+                    <a:ea typeface="Cambria Math" pitchFamily="18" charset="0"/>
+                  </a:rPr>
+                  <a:t>2</a:t>
+                </a:r>
+                <a:r>
+                  <a:rPr lang="en-US" i="1" dirty="0" smtClean="0">
+                    <a:latin typeface="Cambria Math" pitchFamily="18" charset="0"/>
+                    <a:ea typeface="Cambria Math" pitchFamily="18" charset="0"/>
+                  </a:rPr>
+                  <a:t>m</a:t>
+                </a:r>
+                <a:r>
+                  <a:rPr lang="en-US" dirty="0" smtClean="0"/>
+                  <a:t>, and so </a:t>
+                </a:r>
+                <a:r>
+                  <a:rPr lang="en-US" i="1" dirty="0" smtClean="0">
+                    <a:latin typeface="Cambria Math" pitchFamily="18" charset="0"/>
+                    <a:ea typeface="Cambria Math" pitchFamily="18" charset="0"/>
+                  </a:rPr>
+                  <a:t>n </a:t>
+                </a:r>
+                <a:r>
+                  <a:rPr lang="en-US" dirty="0" smtClean="0">
+                    <a:latin typeface="Cambria Math" pitchFamily="18" charset="0"/>
+                    <a:ea typeface="Cambria Math" pitchFamily="18" charset="0"/>
+                  </a:rPr>
+                  <a:t>=</a:t>
+                </a:r>
+                <a:r>
+                  <a:rPr lang="en-US" i="1" dirty="0" smtClean="0">
+                    <a:latin typeface="Cambria Math" pitchFamily="18" charset="0"/>
+                    <a:ea typeface="Cambria Math" pitchFamily="18" charset="0"/>
+                  </a:rPr>
+                  <a:t> m</a:t>
+                </a:r>
+                <a:r>
+                  <a:rPr lang="en-US" dirty="0" smtClean="0"/>
+                  <a:t>. To see that it is onto, suppose that </a:t>
+                </a:r>
+                <a:r>
+                  <a:rPr lang="en-US" i="1" dirty="0" smtClean="0"/>
+                  <a:t>t</a:t>
+                </a:r>
+                <a:r>
+                  <a:rPr lang="en-US" dirty="0" smtClean="0"/>
+                  <a:t> is an even positive integer. Then            </a:t>
+                </a:r>
+                <a:r>
+                  <a:rPr lang="en-US" i="1" dirty="0" smtClean="0">
+                    <a:ea typeface="Cambria Math" pitchFamily="18" charset="0"/>
+                  </a:rPr>
+                  <a:t>t = </a:t>
+                </a:r>
+                <a:r>
+                  <a:rPr lang="en-US" dirty="0" smtClean="0">
+                    <a:latin typeface="Cambria Math" pitchFamily="18" charset="0"/>
+                    <a:ea typeface="Cambria Math" pitchFamily="18" charset="0"/>
+                  </a:rPr>
+                  <a:t>2</a:t>
+                </a:r>
+                <a:r>
+                  <a:rPr lang="en-US" i="1" dirty="0" smtClean="0">
+                    <a:ea typeface="Cambria Math" pitchFamily="18" charset="0"/>
+                  </a:rPr>
+                  <a:t>k </a:t>
+                </a:r>
+                <a:r>
+                  <a:rPr lang="en-US" dirty="0" smtClean="0"/>
+                  <a:t>for some positive integer </a:t>
+                </a:r>
+                <a:r>
+                  <a:rPr lang="en-US" i="1" dirty="0" smtClean="0">
+                    <a:ea typeface="Cambria Math" pitchFamily="18" charset="0"/>
+                  </a:rPr>
+                  <a:t>k</a:t>
+                </a:r>
+                <a:r>
+                  <a:rPr lang="en-US" dirty="0" smtClean="0"/>
+                  <a:t> and </a:t>
+                </a:r>
+                <a:r>
+                  <a:rPr lang="en-US" i="1" dirty="0" smtClean="0">
+                    <a:ea typeface="Cambria Math" pitchFamily="18" charset="0"/>
+                  </a:rPr>
+                  <a:t>f</a:t>
+                </a:r>
+                <a:r>
+                  <a:rPr lang="en-US" dirty="0" smtClean="0">
+                    <a:ea typeface="Cambria Math" pitchFamily="18" charset="0"/>
+                  </a:rPr>
+                  <a:t>(</a:t>
+                </a:r>
+                <a:r>
+                  <a:rPr lang="en-US" i="1" dirty="0" smtClean="0">
+                    <a:ea typeface="Cambria Math" pitchFamily="18" charset="0"/>
+                  </a:rPr>
+                  <a:t>k</a:t>
+                </a:r>
+                <a:r>
+                  <a:rPr lang="en-US" dirty="0" smtClean="0">
+                    <a:ea typeface="Cambria Math" pitchFamily="18" charset="0"/>
+                  </a:rPr>
+                  <a:t>) = </a:t>
+                </a:r>
+                <a:r>
+                  <a:rPr lang="en-US" i="1" dirty="0" smtClean="0">
+                    <a:ea typeface="Cambria Math" pitchFamily="18" charset="0"/>
+                  </a:rPr>
+                  <a:t>t</a:t>
+                </a:r>
+                <a:r>
+                  <a:rPr lang="en-US" dirty="0" smtClean="0"/>
+                  <a:t>. </a:t>
+                </a:r>
+              </a:p>
+              <a:p>
+                <a:pPr>
+                  <a:buNone/>
+                </a:pPr>
+                <a:endParaRPr lang="en-US" b="1" dirty="0"/>
+              </a:p>
+            </p:txBody>
+          </p:sp>
+        </mc:Choice>
+        <mc:Fallback xmlns="">
+          <p:sp>
+            <p:nvSpPr>
+              <p:cNvPr id="3" name="Content Placeholder 2"/>
+              <p:cNvSpPr>
+                <a:spLocks noGrp="1" noRot="1" noChangeAspect="1" noMove="1" noResize="1" noEditPoints="1" noAdjustHandles="1" noChangeArrowheads="1" noChangeShapeType="1" noTextEdit="1"/>
+              </p:cNvSpPr>
+              <p:nvPr>
+                <p:ph idx="1"/>
+              </p:nvPr>
+            </p:nvSpPr>
+            <p:spPr>
+              <a:blipFill>
+                <a:blip r:embed="rId2"/>
+                <a:stretch>
+                  <a:fillRect t="-2381"/>
+                </a:stretch>
+              </a:blipFill>
+            </p:spPr>
+            <p:txBody>
+              <a:bodyPr/>
+              <a:lstStyle/>
+              <a:p>
+                <a:r>
+                  <a:rPr lang="lv-LV">
+                    <a:noFill/>
+                  </a:rPr>
+                  <a:t> </a:t>
+                </a:r>
+              </a:p>
+            </p:txBody>
+          </p:sp>
+        </mc:Fallback>
+      </mc:AlternateContent>
       <p:cxnSp>
         <p:nvCxnSpPr>
           <p:cNvPr id="6" name="Straight Arrow Connector 5"/>
@@ -6934,7 +8509,7 @@
         </p:nvCxnSpPr>
         <p:spPr>
           <a:xfrm rot="5400000">
-            <a:off x="3505994" y="3656806"/>
+            <a:off x="2474030" y="3526177"/>
             <a:ext cx="609600" cy="1588"/>
           </a:xfrm>
           <a:prstGeom prst="straightConnector1">
@@ -6968,7 +8543,7 @@
         </p:nvCxnSpPr>
         <p:spPr>
           <a:xfrm rot="5400000">
-            <a:off x="3963194" y="3656806"/>
+            <a:off x="2931230" y="3526177"/>
             <a:ext cx="609600" cy="1588"/>
           </a:xfrm>
           <a:prstGeom prst="straightConnector1">
@@ -7002,7 +8577,7 @@
         </p:nvCxnSpPr>
         <p:spPr>
           <a:xfrm rot="5400000">
-            <a:off x="4420394" y="3656806"/>
+            <a:off x="3388430" y="3526177"/>
             <a:ext cx="609600" cy="1588"/>
           </a:xfrm>
           <a:prstGeom prst="straightConnector1">
@@ -7036,7 +8611,7 @@
         </p:nvCxnSpPr>
         <p:spPr>
           <a:xfrm rot="5400000">
-            <a:off x="4877594" y="3656806"/>
+            <a:off x="3845630" y="3526177"/>
             <a:ext cx="609600" cy="1588"/>
           </a:xfrm>
           <a:prstGeom prst="straightConnector1">
@@ -7070,7 +8645,7 @@
         </p:nvCxnSpPr>
         <p:spPr>
           <a:xfrm rot="5400000">
-            <a:off x="5334794" y="3656806"/>
+            <a:off x="4302830" y="3526177"/>
             <a:ext cx="609600" cy="1588"/>
           </a:xfrm>
           <a:prstGeom prst="straightConnector1">
@@ -7104,7 +8679,7 @@
         </p:nvCxnSpPr>
         <p:spPr>
           <a:xfrm rot="5400000">
-            <a:off x="3048794" y="3656806"/>
+            <a:off x="2016830" y="3526177"/>
             <a:ext cx="609600" cy="1588"/>
           </a:xfrm>
           <a:prstGeom prst="straightConnector1">
@@ -7248,7 +8823,12 @@
             <p:ph idx="1"/>
           </p:nvPr>
         </p:nvSpPr>
-        <p:spPr/>
+        <p:spPr>
+          <a:xfrm>
+            <a:off x="838200" y="1825625"/>
+            <a:ext cx="5262154" cy="4351338"/>
+          </a:xfrm>
+        </p:spPr>
         <p:txBody>
           <a:bodyPr/>
           <a:lstStyle/>
@@ -7501,51 +9081,79 @@
           </a:p>
         </p:txBody>
       </p:sp>
-      <p:sp>
-        <p:nvSpPr>
-          <p:cNvPr id="4" name="Isosceles Triangle 3"/>
-          <p:cNvSpPr/>
+      <p:pic>
+        <p:nvPicPr>
+          <p:cNvPr id="1026" name="Picture 2" descr="https://upload.wikimedia.org/wikipedia/commons/thumb/0/07/Hilbert%27s_Hotel.png/1920px-Hilbert%27s_Hotel.png"/>
+          <p:cNvPicPr>
+            <a:picLocks noChangeAspect="1" noChangeArrowheads="1"/>
+          </p:cNvPicPr>
           <p:nvPr/>
-        </p:nvSpPr>
-        <p:spPr>
-          <a:xfrm rot="5400000" flipV="1">
-            <a:off x="9753600" y="4953000"/>
-            <a:ext cx="152400" cy="152400"/>
+        </p:nvPicPr>
+        <p:blipFill>
+          <a:blip r:embed="rId2" cstate="print">
+            <a:extLst>
+              <a:ext uri="{28A0092B-C50C-407E-A947-70E740481C1C}">
+                <a14:useLocalDpi xmlns:a14="http://schemas.microsoft.com/office/drawing/2010/main" val="0"/>
+              </a:ext>
+            </a:extLst>
+          </a:blip>
+          <a:srcRect/>
+          <a:stretch>
+            <a:fillRect/>
+          </a:stretch>
+        </p:blipFill>
+        <p:spPr bwMode="auto">
+          <a:xfrm>
+            <a:off x="7462246" y="4287299"/>
+            <a:ext cx="4479381" cy="2116041"/>
           </a:xfrm>
-          <a:prstGeom prst="triangle">
+          <a:prstGeom prst="rect">
             <a:avLst/>
           </a:prstGeom>
-          <a:solidFill>
-            <a:schemeClr val="tx1"/>
-          </a:solidFill>
-          <a:ln>
-            <a:solidFill>
-              <a:schemeClr val="tx1"/>
-            </a:solidFill>
-          </a:ln>
+          <a:noFill/>
+          <a:extLst>
+            <a:ext uri="{909E8E84-426E-40DD-AFC4-6F175D3DCCD1}">
+              <a14:hiddenFill xmlns:a14="http://schemas.microsoft.com/office/drawing/2010/main">
+                <a:solidFill>
+                  <a:srgbClr val="FFFFFF"/>
+                </a:solidFill>
+              </a14:hiddenFill>
+            </a:ext>
+          </a:extLst>
         </p:spPr>
-        <p:style>
-          <a:lnRef idx="2">
-            <a:schemeClr val="accent1">
-              <a:shade val="50000"/>
-            </a:schemeClr>
-          </a:lnRef>
-          <a:fillRef idx="1">
-            <a:schemeClr val="accent1"/>
-          </a:fillRef>
-          <a:effectRef idx="0">
-            <a:schemeClr val="accent1"/>
-          </a:effectRef>
-          <a:fontRef idx="minor">
-            <a:schemeClr val="lt1"/>
-          </a:fontRef>
-        </p:style>
-        <p:txBody>
-          <a:bodyPr rtlCol="0" anchor="ctr"/>
-          <a:lstStyle/>
-          <a:p>
-            <a:pPr algn="ctr"/>
-            <a:endParaRPr lang="en-US"/>
+      </p:pic>
+      <p:sp>
+        <p:nvSpPr>
+          <p:cNvPr id="6" name="TextBox 5"/>
+          <p:cNvSpPr txBox="1"/>
+          <p:nvPr/>
+        </p:nvSpPr>
+        <p:spPr>
+          <a:xfrm>
+            <a:off x="7430840" y="3229032"/>
+            <a:ext cx="4510787" cy="646331"/>
+          </a:xfrm>
+          <a:prstGeom prst="rect">
+            <a:avLst/>
+          </a:prstGeom>
+          <a:noFill/>
+        </p:spPr>
+        <p:txBody>
+          <a:bodyPr wrap="none" rtlCol="0">
+            <a:spAutoFit/>
+          </a:bodyPr>
+          <a:lstStyle/>
+          <a:p>
+            <a:r>
+              <a:rPr lang="en-US" dirty="0" smtClean="0"/>
+              <a:t>Similar example: Two rows of positive integers</a:t>
+            </a:r>
+          </a:p>
+          <a:p>
+            <a:r>
+              <a:rPr lang="en-US" dirty="0" smtClean="0"/>
+              <a:t>{1,2,3,4,…} can be fitted into a single line.</a:t>
+            </a:r>
           </a:p>
         </p:txBody>
       </p:sp>
